--- a/doc/World_Weapons_App_Sketch.pptx
+++ b/doc/World_Weapons_App_Sketch.pptx
@@ -2,12 +2,12 @@
 <file path=ppt/presentation.xml><?xml version="1.0" encoding="utf-8"?>
 <p:presentation xmlns:a="http://schemas.openxmlformats.org/drawingml/2006/main" xmlns:r="http://schemas.openxmlformats.org/officeDocument/2006/relationships" xmlns:p="http://schemas.openxmlformats.org/presentationml/2006/main" saveSubsetFonts="1">
   <p:sldMasterIdLst>
-    <p:sldMasterId id="2147483660" r:id="rId1"/>
+    <p:sldMasterId id="2147483672" r:id="rId1"/>
   </p:sldMasterIdLst>
   <p:sldIdLst>
     <p:sldId id="256" r:id="rId2"/>
   </p:sldIdLst>
-  <p:sldSz cx="6858000" cy="9144000" type="screen4x3"/>
+  <p:sldSz cx="8999538" cy="9144000"/>
   <p:notesSz cx="6858000" cy="9144000"/>
   <p:defaultTextStyle>
     <a:defPPr>
@@ -104,6 +104,11 @@
       </a:defRPr>
     </a:lvl9pPr>
   </p:defaultTextStyle>
+  <p:extLst>
+    <p:ext uri="{EFAFB233-063F-42B5-8137-9DF3F51BA10A}">
+      <p15:sldGuideLst xmlns:p15="http://schemas.microsoft.com/office/powerpoint/2012/main"/>
+    </p:ext>
+  </p:extLst>
 </p:presentation>
 </file>
 
@@ -136,15 +141,15 @@
         </p:nvSpPr>
         <p:spPr>
           <a:xfrm>
-            <a:off x="514350" y="1496484"/>
-            <a:ext cx="5829300" cy="3183467"/>
+            <a:off x="674966" y="1496484"/>
+            <a:ext cx="7649607" cy="3183467"/>
           </a:xfrm>
         </p:spPr>
         <p:txBody>
           <a:bodyPr anchor="b"/>
           <a:lstStyle>
             <a:lvl1pPr algn="ctr">
-              <a:defRPr sz="4500"/>
+              <a:defRPr sz="5905"/>
             </a:lvl1pPr>
           </a:lstStyle>
           <a:p>
@@ -168,8 +173,8 @@
         </p:nvSpPr>
         <p:spPr>
           <a:xfrm>
-            <a:off x="857250" y="4802717"/>
-            <a:ext cx="5143500" cy="2207683"/>
+            <a:off x="1124942" y="4802717"/>
+            <a:ext cx="6749654" cy="2207683"/>
           </a:xfrm>
         </p:spPr>
         <p:txBody>
@@ -177,39 +182,39 @@
           <a:lstStyle>
             <a:lvl1pPr marL="0" indent="0" algn="ctr">
               <a:buNone/>
-              <a:defRPr sz="1800"/>
+              <a:defRPr sz="2362"/>
             </a:lvl1pPr>
-            <a:lvl2pPr marL="342900" indent="0" algn="ctr">
-              <a:buNone/>
-              <a:defRPr sz="1500"/>
+            <a:lvl2pPr marL="449976" indent="0" algn="ctr">
+              <a:buNone/>
+              <a:defRPr sz="1968"/>
             </a:lvl2pPr>
-            <a:lvl3pPr marL="685800" indent="0" algn="ctr">
-              <a:buNone/>
-              <a:defRPr sz="1350"/>
+            <a:lvl3pPr marL="899952" indent="0" algn="ctr">
+              <a:buNone/>
+              <a:defRPr sz="1772"/>
             </a:lvl3pPr>
-            <a:lvl4pPr marL="1028700" indent="0" algn="ctr">
-              <a:buNone/>
-              <a:defRPr sz="1200"/>
+            <a:lvl4pPr marL="1349929" indent="0" algn="ctr">
+              <a:buNone/>
+              <a:defRPr sz="1575"/>
             </a:lvl4pPr>
-            <a:lvl5pPr marL="1371600" indent="0" algn="ctr">
-              <a:buNone/>
-              <a:defRPr sz="1200"/>
+            <a:lvl5pPr marL="1799905" indent="0" algn="ctr">
+              <a:buNone/>
+              <a:defRPr sz="1575"/>
             </a:lvl5pPr>
-            <a:lvl6pPr marL="1714500" indent="0" algn="ctr">
-              <a:buNone/>
-              <a:defRPr sz="1200"/>
+            <a:lvl6pPr marL="2249881" indent="0" algn="ctr">
+              <a:buNone/>
+              <a:defRPr sz="1575"/>
             </a:lvl6pPr>
-            <a:lvl7pPr marL="2057400" indent="0" algn="ctr">
-              <a:buNone/>
-              <a:defRPr sz="1200"/>
+            <a:lvl7pPr marL="2699857" indent="0" algn="ctr">
+              <a:buNone/>
+              <a:defRPr sz="1575"/>
             </a:lvl7pPr>
-            <a:lvl8pPr marL="2400300" indent="0" algn="ctr">
-              <a:buNone/>
-              <a:defRPr sz="1200"/>
+            <a:lvl8pPr marL="3149834" indent="0" algn="ctr">
+              <a:buNone/>
+              <a:defRPr sz="1575"/>
             </a:lvl8pPr>
-            <a:lvl9pPr marL="2743200" indent="0" algn="ctr">
-              <a:buNone/>
-              <a:defRPr sz="1200"/>
+            <a:lvl9pPr marL="3599810" indent="0" algn="ctr">
+              <a:buNone/>
+              <a:defRPr sz="1575"/>
             </a:lvl9pPr>
           </a:lstStyle>
           <a:p>
@@ -238,7 +243,7 @@
           <a:p>
             <a:fld id="{3D9150BF-0164-49F8-88E0-36F59A389ABD}" type="datetimeFigureOut">
               <a:rPr lang="en-CA" smtClean="0"/>
-              <a:t>2019-11-22</a:t>
+              <a:t>2019-12-07</a:t>
             </a:fld>
             <a:endParaRPr lang="en-CA"/>
           </a:p>
@@ -289,7 +294,7 @@
     </p:spTree>
     <p:extLst>
       <p:ext uri="{BB962C8B-B14F-4D97-AF65-F5344CB8AC3E}">
-        <p14:creationId xmlns:p14="http://schemas.microsoft.com/office/powerpoint/2010/main" val="4011694860"/>
+        <p14:creationId xmlns:p14="http://schemas.microsoft.com/office/powerpoint/2010/main" val="823543777"/>
       </p:ext>
     </p:extLst>
   </p:cSld>
@@ -408,7 +413,7 @@
           <a:p>
             <a:fld id="{3D9150BF-0164-49F8-88E0-36F59A389ABD}" type="datetimeFigureOut">
               <a:rPr lang="en-CA" smtClean="0"/>
-              <a:t>2019-11-22</a:t>
+              <a:t>2019-12-07</a:t>
             </a:fld>
             <a:endParaRPr lang="en-CA"/>
           </a:p>
@@ -459,7 +464,7 @@
     </p:spTree>
     <p:extLst>
       <p:ext uri="{BB962C8B-B14F-4D97-AF65-F5344CB8AC3E}">
-        <p14:creationId xmlns:p14="http://schemas.microsoft.com/office/powerpoint/2010/main" val="3645507769"/>
+        <p14:creationId xmlns:p14="http://schemas.microsoft.com/office/powerpoint/2010/main" val="3218425966"/>
       </p:ext>
     </p:extLst>
   </p:cSld>
@@ -498,8 +503,8 @@
         </p:nvSpPr>
         <p:spPr>
           <a:xfrm>
-            <a:off x="4907757" y="486834"/>
-            <a:ext cx="1478756" cy="7749117"/>
+            <a:off x="6440295" y="486834"/>
+            <a:ext cx="1940525" cy="7749117"/>
           </a:xfrm>
         </p:spPr>
         <p:txBody>
@@ -526,8 +531,8 @@
         </p:nvSpPr>
         <p:spPr>
           <a:xfrm>
-            <a:off x="471488" y="486834"/>
-            <a:ext cx="4350544" cy="7749117"/>
+            <a:off x="618719" y="486834"/>
+            <a:ext cx="5709082" cy="7749117"/>
           </a:xfrm>
         </p:spPr>
         <p:txBody>
@@ -588,7 +593,7 @@
           <a:p>
             <a:fld id="{3D9150BF-0164-49F8-88E0-36F59A389ABD}" type="datetimeFigureOut">
               <a:rPr lang="en-CA" smtClean="0"/>
-              <a:t>2019-11-22</a:t>
+              <a:t>2019-12-07</a:t>
             </a:fld>
             <a:endParaRPr lang="en-CA"/>
           </a:p>
@@ -639,7 +644,7 @@
     </p:spTree>
     <p:extLst>
       <p:ext uri="{BB962C8B-B14F-4D97-AF65-F5344CB8AC3E}">
-        <p14:creationId xmlns:p14="http://schemas.microsoft.com/office/powerpoint/2010/main" val="940424708"/>
+        <p14:creationId xmlns:p14="http://schemas.microsoft.com/office/powerpoint/2010/main" val="1861444874"/>
       </p:ext>
     </p:extLst>
   </p:cSld>
@@ -758,7 +763,7 @@
           <a:p>
             <a:fld id="{3D9150BF-0164-49F8-88E0-36F59A389ABD}" type="datetimeFigureOut">
               <a:rPr lang="en-CA" smtClean="0"/>
-              <a:t>2019-11-22</a:t>
+              <a:t>2019-12-07</a:t>
             </a:fld>
             <a:endParaRPr lang="en-CA"/>
           </a:p>
@@ -809,7 +814,7 @@
     </p:spTree>
     <p:extLst>
       <p:ext uri="{BB962C8B-B14F-4D97-AF65-F5344CB8AC3E}">
-        <p14:creationId xmlns:p14="http://schemas.microsoft.com/office/powerpoint/2010/main" val="3474392"/>
+        <p14:creationId xmlns:p14="http://schemas.microsoft.com/office/powerpoint/2010/main" val="2881720904"/>
       </p:ext>
     </p:extLst>
   </p:cSld>
@@ -848,15 +853,15 @@
         </p:nvSpPr>
         <p:spPr>
           <a:xfrm>
-            <a:off x="467916" y="2279653"/>
-            <a:ext cx="5915025" cy="3803649"/>
+            <a:off x="614031" y="2279653"/>
+            <a:ext cx="7762102" cy="3803649"/>
           </a:xfrm>
         </p:spPr>
         <p:txBody>
           <a:bodyPr anchor="b"/>
           <a:lstStyle>
             <a:lvl1pPr>
-              <a:defRPr sz="4500"/>
+              <a:defRPr sz="5905"/>
             </a:lvl1pPr>
           </a:lstStyle>
           <a:p>
@@ -880,8 +885,8 @@
         </p:nvSpPr>
         <p:spPr>
           <a:xfrm>
-            <a:off x="467916" y="6119286"/>
-            <a:ext cx="5915025" cy="2000249"/>
+            <a:off x="614031" y="6119286"/>
+            <a:ext cx="7762102" cy="2000249"/>
           </a:xfrm>
         </p:spPr>
         <p:txBody>
@@ -889,15 +894,15 @@
           <a:lstStyle>
             <a:lvl1pPr marL="0" indent="0">
               <a:buNone/>
-              <a:defRPr sz="1800">
+              <a:defRPr sz="2362">
                 <a:solidFill>
                   <a:schemeClr val="tx1"/>
                 </a:solidFill>
               </a:defRPr>
             </a:lvl1pPr>
-            <a:lvl2pPr marL="342900" indent="0">
-              <a:buNone/>
-              <a:defRPr sz="1500">
+            <a:lvl2pPr marL="449976" indent="0">
+              <a:buNone/>
+              <a:defRPr sz="1968">
                 <a:solidFill>
                   <a:schemeClr val="tx1">
                     <a:tint val="75000"/>
@@ -905,9 +910,9 @@
                 </a:solidFill>
               </a:defRPr>
             </a:lvl2pPr>
-            <a:lvl3pPr marL="685800" indent="0">
-              <a:buNone/>
-              <a:defRPr sz="1350">
+            <a:lvl3pPr marL="899952" indent="0">
+              <a:buNone/>
+              <a:defRPr sz="1772">
                 <a:solidFill>
                   <a:schemeClr val="tx1">
                     <a:tint val="75000"/>
@@ -915,9 +920,9 @@
                 </a:solidFill>
               </a:defRPr>
             </a:lvl3pPr>
-            <a:lvl4pPr marL="1028700" indent="0">
-              <a:buNone/>
-              <a:defRPr sz="1200">
+            <a:lvl4pPr marL="1349929" indent="0">
+              <a:buNone/>
+              <a:defRPr sz="1575">
                 <a:solidFill>
                   <a:schemeClr val="tx1">
                     <a:tint val="75000"/>
@@ -925,9 +930,9 @@
                 </a:solidFill>
               </a:defRPr>
             </a:lvl4pPr>
-            <a:lvl5pPr marL="1371600" indent="0">
-              <a:buNone/>
-              <a:defRPr sz="1200">
+            <a:lvl5pPr marL="1799905" indent="0">
+              <a:buNone/>
+              <a:defRPr sz="1575">
                 <a:solidFill>
                   <a:schemeClr val="tx1">
                     <a:tint val="75000"/>
@@ -935,9 +940,9 @@
                 </a:solidFill>
               </a:defRPr>
             </a:lvl5pPr>
-            <a:lvl6pPr marL="1714500" indent="0">
-              <a:buNone/>
-              <a:defRPr sz="1200">
+            <a:lvl6pPr marL="2249881" indent="0">
+              <a:buNone/>
+              <a:defRPr sz="1575">
                 <a:solidFill>
                   <a:schemeClr val="tx1">
                     <a:tint val="75000"/>
@@ -945,9 +950,9 @@
                 </a:solidFill>
               </a:defRPr>
             </a:lvl6pPr>
-            <a:lvl7pPr marL="2057400" indent="0">
-              <a:buNone/>
-              <a:defRPr sz="1200">
+            <a:lvl7pPr marL="2699857" indent="0">
+              <a:buNone/>
+              <a:defRPr sz="1575">
                 <a:solidFill>
                   <a:schemeClr val="tx1">
                     <a:tint val="75000"/>
@@ -955,9 +960,9 @@
                 </a:solidFill>
               </a:defRPr>
             </a:lvl7pPr>
-            <a:lvl8pPr marL="2400300" indent="0">
-              <a:buNone/>
-              <a:defRPr sz="1200">
+            <a:lvl8pPr marL="3149834" indent="0">
+              <a:buNone/>
+              <a:defRPr sz="1575">
                 <a:solidFill>
                   <a:schemeClr val="tx1">
                     <a:tint val="75000"/>
@@ -965,9 +970,9 @@
                 </a:solidFill>
               </a:defRPr>
             </a:lvl8pPr>
-            <a:lvl9pPr marL="2743200" indent="0">
-              <a:buNone/>
-              <a:defRPr sz="1200">
+            <a:lvl9pPr marL="3599810" indent="0">
+              <a:buNone/>
+              <a:defRPr sz="1575">
                 <a:solidFill>
                   <a:schemeClr val="tx1">
                     <a:tint val="75000"/>
@@ -1002,7 +1007,7 @@
           <a:p>
             <a:fld id="{3D9150BF-0164-49F8-88E0-36F59A389ABD}" type="datetimeFigureOut">
               <a:rPr lang="en-CA" smtClean="0"/>
-              <a:t>2019-11-22</a:t>
+              <a:t>2019-12-07</a:t>
             </a:fld>
             <a:endParaRPr lang="en-CA"/>
           </a:p>
@@ -1053,7 +1058,7 @@
     </p:spTree>
     <p:extLst>
       <p:ext uri="{BB962C8B-B14F-4D97-AF65-F5344CB8AC3E}">
-        <p14:creationId xmlns:p14="http://schemas.microsoft.com/office/powerpoint/2010/main" val="1632649286"/>
+        <p14:creationId xmlns:p14="http://schemas.microsoft.com/office/powerpoint/2010/main" val="2898932059"/>
       </p:ext>
     </p:extLst>
   </p:cSld>
@@ -1115,8 +1120,8 @@
         </p:nvSpPr>
         <p:spPr>
           <a:xfrm>
-            <a:off x="471488" y="2434167"/>
-            <a:ext cx="2914650" cy="5801784"/>
+            <a:off x="618718" y="2434167"/>
+            <a:ext cx="3824804" cy="5801784"/>
           </a:xfrm>
         </p:spPr>
         <p:txBody>
@@ -1172,8 +1177,8 @@
         </p:nvSpPr>
         <p:spPr>
           <a:xfrm>
-            <a:off x="3471863" y="2434167"/>
-            <a:ext cx="2914650" cy="5801784"/>
+            <a:off x="4556016" y="2434167"/>
+            <a:ext cx="3824804" cy="5801784"/>
           </a:xfrm>
         </p:spPr>
         <p:txBody>
@@ -1234,7 +1239,7 @@
           <a:p>
             <a:fld id="{3D9150BF-0164-49F8-88E0-36F59A389ABD}" type="datetimeFigureOut">
               <a:rPr lang="en-CA" smtClean="0"/>
-              <a:t>2019-11-22</a:t>
+              <a:t>2019-12-07</a:t>
             </a:fld>
             <a:endParaRPr lang="en-CA"/>
           </a:p>
@@ -1285,7 +1290,7 @@
     </p:spTree>
     <p:extLst>
       <p:ext uri="{BB962C8B-B14F-4D97-AF65-F5344CB8AC3E}">
-        <p14:creationId xmlns:p14="http://schemas.microsoft.com/office/powerpoint/2010/main" val="2787381890"/>
+        <p14:creationId xmlns:p14="http://schemas.microsoft.com/office/powerpoint/2010/main" val="3184502369"/>
       </p:ext>
     </p:extLst>
   </p:cSld>
@@ -1324,8 +1329,8 @@
         </p:nvSpPr>
         <p:spPr>
           <a:xfrm>
-            <a:off x="472381" y="486836"/>
-            <a:ext cx="5915025" cy="1767417"/>
+            <a:off x="619890" y="486836"/>
+            <a:ext cx="7762102" cy="1767417"/>
           </a:xfrm>
         </p:spPr>
         <p:txBody>
@@ -1352,8 +1357,8 @@
         </p:nvSpPr>
         <p:spPr>
           <a:xfrm>
-            <a:off x="472381" y="2241551"/>
-            <a:ext cx="2901255" cy="1098549"/>
+            <a:off x="619891" y="2241551"/>
+            <a:ext cx="3807226" cy="1098549"/>
           </a:xfrm>
         </p:spPr>
         <p:txBody>
@@ -1361,39 +1366,39 @@
           <a:lstStyle>
             <a:lvl1pPr marL="0" indent="0">
               <a:buNone/>
-              <a:defRPr sz="1800" b="1"/>
+              <a:defRPr sz="2362" b="1"/>
             </a:lvl1pPr>
-            <a:lvl2pPr marL="342900" indent="0">
-              <a:buNone/>
-              <a:defRPr sz="1500" b="1"/>
+            <a:lvl2pPr marL="449976" indent="0">
+              <a:buNone/>
+              <a:defRPr sz="1968" b="1"/>
             </a:lvl2pPr>
-            <a:lvl3pPr marL="685800" indent="0">
-              <a:buNone/>
-              <a:defRPr sz="1350" b="1"/>
+            <a:lvl3pPr marL="899952" indent="0">
+              <a:buNone/>
+              <a:defRPr sz="1772" b="1"/>
             </a:lvl3pPr>
-            <a:lvl4pPr marL="1028700" indent="0">
-              <a:buNone/>
-              <a:defRPr sz="1200" b="1"/>
+            <a:lvl4pPr marL="1349929" indent="0">
+              <a:buNone/>
+              <a:defRPr sz="1575" b="1"/>
             </a:lvl4pPr>
-            <a:lvl5pPr marL="1371600" indent="0">
-              <a:buNone/>
-              <a:defRPr sz="1200" b="1"/>
+            <a:lvl5pPr marL="1799905" indent="0">
+              <a:buNone/>
+              <a:defRPr sz="1575" b="1"/>
             </a:lvl5pPr>
-            <a:lvl6pPr marL="1714500" indent="0">
-              <a:buNone/>
-              <a:defRPr sz="1200" b="1"/>
+            <a:lvl6pPr marL="2249881" indent="0">
+              <a:buNone/>
+              <a:defRPr sz="1575" b="1"/>
             </a:lvl6pPr>
-            <a:lvl7pPr marL="2057400" indent="0">
-              <a:buNone/>
-              <a:defRPr sz="1200" b="1"/>
+            <a:lvl7pPr marL="2699857" indent="0">
+              <a:buNone/>
+              <a:defRPr sz="1575" b="1"/>
             </a:lvl7pPr>
-            <a:lvl8pPr marL="2400300" indent="0">
-              <a:buNone/>
-              <a:defRPr sz="1200" b="1"/>
+            <a:lvl8pPr marL="3149834" indent="0">
+              <a:buNone/>
+              <a:defRPr sz="1575" b="1"/>
             </a:lvl8pPr>
-            <a:lvl9pPr marL="2743200" indent="0">
-              <a:buNone/>
-              <a:defRPr sz="1200" b="1"/>
+            <a:lvl9pPr marL="3599810" indent="0">
+              <a:buNone/>
+              <a:defRPr sz="1575" b="1"/>
             </a:lvl9pPr>
           </a:lstStyle>
           <a:p>
@@ -1417,8 +1422,8 @@
         </p:nvSpPr>
         <p:spPr>
           <a:xfrm>
-            <a:off x="472381" y="3340100"/>
-            <a:ext cx="2901255" cy="4912784"/>
+            <a:off x="619891" y="3340100"/>
+            <a:ext cx="3807226" cy="4912784"/>
           </a:xfrm>
         </p:spPr>
         <p:txBody>
@@ -1474,8 +1479,8 @@
         </p:nvSpPr>
         <p:spPr>
           <a:xfrm>
-            <a:off x="3471863" y="2241551"/>
-            <a:ext cx="2915543" cy="1098549"/>
+            <a:off x="4556017" y="2241551"/>
+            <a:ext cx="3825976" cy="1098549"/>
           </a:xfrm>
         </p:spPr>
         <p:txBody>
@@ -1483,39 +1488,39 @@
           <a:lstStyle>
             <a:lvl1pPr marL="0" indent="0">
               <a:buNone/>
-              <a:defRPr sz="1800" b="1"/>
+              <a:defRPr sz="2362" b="1"/>
             </a:lvl1pPr>
-            <a:lvl2pPr marL="342900" indent="0">
-              <a:buNone/>
-              <a:defRPr sz="1500" b="1"/>
+            <a:lvl2pPr marL="449976" indent="0">
+              <a:buNone/>
+              <a:defRPr sz="1968" b="1"/>
             </a:lvl2pPr>
-            <a:lvl3pPr marL="685800" indent="0">
-              <a:buNone/>
-              <a:defRPr sz="1350" b="1"/>
+            <a:lvl3pPr marL="899952" indent="0">
+              <a:buNone/>
+              <a:defRPr sz="1772" b="1"/>
             </a:lvl3pPr>
-            <a:lvl4pPr marL="1028700" indent="0">
-              <a:buNone/>
-              <a:defRPr sz="1200" b="1"/>
+            <a:lvl4pPr marL="1349929" indent="0">
+              <a:buNone/>
+              <a:defRPr sz="1575" b="1"/>
             </a:lvl4pPr>
-            <a:lvl5pPr marL="1371600" indent="0">
-              <a:buNone/>
-              <a:defRPr sz="1200" b="1"/>
+            <a:lvl5pPr marL="1799905" indent="0">
+              <a:buNone/>
+              <a:defRPr sz="1575" b="1"/>
             </a:lvl5pPr>
-            <a:lvl6pPr marL="1714500" indent="0">
-              <a:buNone/>
-              <a:defRPr sz="1200" b="1"/>
+            <a:lvl6pPr marL="2249881" indent="0">
+              <a:buNone/>
+              <a:defRPr sz="1575" b="1"/>
             </a:lvl6pPr>
-            <a:lvl7pPr marL="2057400" indent="0">
-              <a:buNone/>
-              <a:defRPr sz="1200" b="1"/>
+            <a:lvl7pPr marL="2699857" indent="0">
+              <a:buNone/>
+              <a:defRPr sz="1575" b="1"/>
             </a:lvl7pPr>
-            <a:lvl8pPr marL="2400300" indent="0">
-              <a:buNone/>
-              <a:defRPr sz="1200" b="1"/>
+            <a:lvl8pPr marL="3149834" indent="0">
+              <a:buNone/>
+              <a:defRPr sz="1575" b="1"/>
             </a:lvl8pPr>
-            <a:lvl9pPr marL="2743200" indent="0">
-              <a:buNone/>
-              <a:defRPr sz="1200" b="1"/>
+            <a:lvl9pPr marL="3599810" indent="0">
+              <a:buNone/>
+              <a:defRPr sz="1575" b="1"/>
             </a:lvl9pPr>
           </a:lstStyle>
           <a:p>
@@ -1539,8 +1544,8 @@
         </p:nvSpPr>
         <p:spPr>
           <a:xfrm>
-            <a:off x="3471863" y="3340100"/>
-            <a:ext cx="2915543" cy="4912784"/>
+            <a:off x="4556017" y="3340100"/>
+            <a:ext cx="3825976" cy="4912784"/>
           </a:xfrm>
         </p:spPr>
         <p:txBody>
@@ -1601,7 +1606,7 @@
           <a:p>
             <a:fld id="{3D9150BF-0164-49F8-88E0-36F59A389ABD}" type="datetimeFigureOut">
               <a:rPr lang="en-CA" smtClean="0"/>
-              <a:t>2019-11-22</a:t>
+              <a:t>2019-12-07</a:t>
             </a:fld>
             <a:endParaRPr lang="en-CA"/>
           </a:p>
@@ -1652,7 +1657,7 @@
     </p:spTree>
     <p:extLst>
       <p:ext uri="{BB962C8B-B14F-4D97-AF65-F5344CB8AC3E}">
-        <p14:creationId xmlns:p14="http://schemas.microsoft.com/office/powerpoint/2010/main" val="3071567997"/>
+        <p14:creationId xmlns:p14="http://schemas.microsoft.com/office/powerpoint/2010/main" val="1320960236"/>
       </p:ext>
     </p:extLst>
   </p:cSld>
@@ -1719,7 +1724,7 @@
           <a:p>
             <a:fld id="{3D9150BF-0164-49F8-88E0-36F59A389ABD}" type="datetimeFigureOut">
               <a:rPr lang="en-CA" smtClean="0"/>
-              <a:t>2019-11-22</a:t>
+              <a:t>2019-12-07</a:t>
             </a:fld>
             <a:endParaRPr lang="en-CA"/>
           </a:p>
@@ -1770,7 +1775,7 @@
     </p:spTree>
     <p:extLst>
       <p:ext uri="{BB962C8B-B14F-4D97-AF65-F5344CB8AC3E}">
-        <p14:creationId xmlns:p14="http://schemas.microsoft.com/office/powerpoint/2010/main" val="2445042310"/>
+        <p14:creationId xmlns:p14="http://schemas.microsoft.com/office/powerpoint/2010/main" val="3529425823"/>
       </p:ext>
     </p:extLst>
   </p:cSld>
@@ -1814,7 +1819,7 @@
           <a:p>
             <a:fld id="{3D9150BF-0164-49F8-88E0-36F59A389ABD}" type="datetimeFigureOut">
               <a:rPr lang="en-CA" smtClean="0"/>
-              <a:t>2019-11-22</a:t>
+              <a:t>2019-12-07</a:t>
             </a:fld>
             <a:endParaRPr lang="en-CA"/>
           </a:p>
@@ -1865,7 +1870,7 @@
     </p:spTree>
     <p:extLst>
       <p:ext uri="{BB962C8B-B14F-4D97-AF65-F5344CB8AC3E}">
-        <p14:creationId xmlns:p14="http://schemas.microsoft.com/office/powerpoint/2010/main" val="593543542"/>
+        <p14:creationId xmlns:p14="http://schemas.microsoft.com/office/powerpoint/2010/main" val="562637830"/>
       </p:ext>
     </p:extLst>
   </p:cSld>
@@ -1904,15 +1909,15 @@
         </p:nvSpPr>
         <p:spPr>
           <a:xfrm>
-            <a:off x="472381" y="609600"/>
-            <a:ext cx="2211884" cy="2133600"/>
+            <a:off x="619891" y="609600"/>
+            <a:ext cx="2902585" cy="2133600"/>
           </a:xfrm>
         </p:spPr>
         <p:txBody>
           <a:bodyPr anchor="b"/>
           <a:lstStyle>
             <a:lvl1pPr>
-              <a:defRPr sz="2400"/>
+              <a:defRPr sz="3149"/>
             </a:lvl1pPr>
           </a:lstStyle>
           <a:p>
@@ -1936,39 +1941,39 @@
         </p:nvSpPr>
         <p:spPr>
           <a:xfrm>
-            <a:off x="2915543" y="1316569"/>
-            <a:ext cx="3471863" cy="6498167"/>
+            <a:off x="3825976" y="1316569"/>
+            <a:ext cx="4556016" cy="6498167"/>
           </a:xfrm>
         </p:spPr>
         <p:txBody>
           <a:bodyPr/>
           <a:lstStyle>
             <a:lvl1pPr>
-              <a:defRPr sz="2400"/>
+              <a:defRPr sz="3149"/>
             </a:lvl1pPr>
             <a:lvl2pPr>
-              <a:defRPr sz="2100"/>
+              <a:defRPr sz="2756"/>
             </a:lvl2pPr>
             <a:lvl3pPr>
-              <a:defRPr sz="1800"/>
+              <a:defRPr sz="2362"/>
             </a:lvl3pPr>
             <a:lvl4pPr>
-              <a:defRPr sz="1500"/>
+              <a:defRPr sz="1968"/>
             </a:lvl4pPr>
             <a:lvl5pPr>
-              <a:defRPr sz="1500"/>
+              <a:defRPr sz="1968"/>
             </a:lvl5pPr>
             <a:lvl6pPr>
-              <a:defRPr sz="1500"/>
+              <a:defRPr sz="1968"/>
             </a:lvl6pPr>
             <a:lvl7pPr>
-              <a:defRPr sz="1500"/>
+              <a:defRPr sz="1968"/>
             </a:lvl7pPr>
             <a:lvl8pPr>
-              <a:defRPr sz="1500"/>
+              <a:defRPr sz="1968"/>
             </a:lvl8pPr>
             <a:lvl9pPr>
-              <a:defRPr sz="1500"/>
+              <a:defRPr sz="1968"/>
             </a:lvl9pPr>
           </a:lstStyle>
           <a:p>
@@ -2021,8 +2026,8 @@
         </p:nvSpPr>
         <p:spPr>
           <a:xfrm>
-            <a:off x="472381" y="2743200"/>
-            <a:ext cx="2211884" cy="5082117"/>
+            <a:off x="619891" y="2743200"/>
+            <a:ext cx="2902585" cy="5082117"/>
           </a:xfrm>
         </p:spPr>
         <p:txBody>
@@ -2030,39 +2035,39 @@
           <a:lstStyle>
             <a:lvl1pPr marL="0" indent="0">
               <a:buNone/>
-              <a:defRPr sz="1200"/>
+              <a:defRPr sz="1575"/>
             </a:lvl1pPr>
-            <a:lvl2pPr marL="342900" indent="0">
-              <a:buNone/>
-              <a:defRPr sz="1050"/>
+            <a:lvl2pPr marL="449976" indent="0">
+              <a:buNone/>
+              <a:defRPr sz="1378"/>
             </a:lvl2pPr>
-            <a:lvl3pPr marL="685800" indent="0">
-              <a:buNone/>
-              <a:defRPr sz="900"/>
+            <a:lvl3pPr marL="899952" indent="0">
+              <a:buNone/>
+              <a:defRPr sz="1181"/>
             </a:lvl3pPr>
-            <a:lvl4pPr marL="1028700" indent="0">
-              <a:buNone/>
-              <a:defRPr sz="750"/>
+            <a:lvl4pPr marL="1349929" indent="0">
+              <a:buNone/>
+              <a:defRPr sz="984"/>
             </a:lvl4pPr>
-            <a:lvl5pPr marL="1371600" indent="0">
-              <a:buNone/>
-              <a:defRPr sz="750"/>
+            <a:lvl5pPr marL="1799905" indent="0">
+              <a:buNone/>
+              <a:defRPr sz="984"/>
             </a:lvl5pPr>
-            <a:lvl6pPr marL="1714500" indent="0">
-              <a:buNone/>
-              <a:defRPr sz="750"/>
+            <a:lvl6pPr marL="2249881" indent="0">
+              <a:buNone/>
+              <a:defRPr sz="984"/>
             </a:lvl6pPr>
-            <a:lvl7pPr marL="2057400" indent="0">
-              <a:buNone/>
-              <a:defRPr sz="750"/>
+            <a:lvl7pPr marL="2699857" indent="0">
+              <a:buNone/>
+              <a:defRPr sz="984"/>
             </a:lvl7pPr>
-            <a:lvl8pPr marL="2400300" indent="0">
-              <a:buNone/>
-              <a:defRPr sz="750"/>
+            <a:lvl8pPr marL="3149834" indent="0">
+              <a:buNone/>
+              <a:defRPr sz="984"/>
             </a:lvl8pPr>
-            <a:lvl9pPr marL="2743200" indent="0">
-              <a:buNone/>
-              <a:defRPr sz="750"/>
+            <a:lvl9pPr marL="3599810" indent="0">
+              <a:buNone/>
+              <a:defRPr sz="984"/>
             </a:lvl9pPr>
           </a:lstStyle>
           <a:p>
@@ -2091,7 +2096,7 @@
           <a:p>
             <a:fld id="{3D9150BF-0164-49F8-88E0-36F59A389ABD}" type="datetimeFigureOut">
               <a:rPr lang="en-CA" smtClean="0"/>
-              <a:t>2019-11-22</a:t>
+              <a:t>2019-12-07</a:t>
             </a:fld>
             <a:endParaRPr lang="en-CA"/>
           </a:p>
@@ -2142,7 +2147,7 @@
     </p:spTree>
     <p:extLst>
       <p:ext uri="{BB962C8B-B14F-4D97-AF65-F5344CB8AC3E}">
-        <p14:creationId xmlns:p14="http://schemas.microsoft.com/office/powerpoint/2010/main" val="1351231599"/>
+        <p14:creationId xmlns:p14="http://schemas.microsoft.com/office/powerpoint/2010/main" val="3361493309"/>
       </p:ext>
     </p:extLst>
   </p:cSld>
@@ -2181,15 +2186,15 @@
         </p:nvSpPr>
         <p:spPr>
           <a:xfrm>
-            <a:off x="472381" y="609600"/>
-            <a:ext cx="2211884" cy="2133600"/>
+            <a:off x="619891" y="609600"/>
+            <a:ext cx="2902585" cy="2133600"/>
           </a:xfrm>
         </p:spPr>
         <p:txBody>
           <a:bodyPr anchor="b"/>
           <a:lstStyle>
             <a:lvl1pPr>
-              <a:defRPr sz="2400"/>
+              <a:defRPr sz="3149"/>
             </a:lvl1pPr>
           </a:lstStyle>
           <a:p>
@@ -2213,8 +2218,8 @@
         </p:nvSpPr>
         <p:spPr>
           <a:xfrm>
-            <a:off x="2915543" y="1316569"/>
-            <a:ext cx="3471863" cy="6498167"/>
+            <a:off x="3825976" y="1316569"/>
+            <a:ext cx="4556016" cy="6498167"/>
           </a:xfrm>
         </p:spPr>
         <p:txBody>
@@ -2222,39 +2227,39 @@
           <a:lstStyle>
             <a:lvl1pPr marL="0" indent="0">
               <a:buNone/>
-              <a:defRPr sz="2400"/>
+              <a:defRPr sz="3149"/>
             </a:lvl1pPr>
-            <a:lvl2pPr marL="342900" indent="0">
-              <a:buNone/>
-              <a:defRPr sz="2100"/>
+            <a:lvl2pPr marL="449976" indent="0">
+              <a:buNone/>
+              <a:defRPr sz="2756"/>
             </a:lvl2pPr>
-            <a:lvl3pPr marL="685800" indent="0">
-              <a:buNone/>
-              <a:defRPr sz="1800"/>
+            <a:lvl3pPr marL="899952" indent="0">
+              <a:buNone/>
+              <a:defRPr sz="2362"/>
             </a:lvl3pPr>
-            <a:lvl4pPr marL="1028700" indent="0">
-              <a:buNone/>
-              <a:defRPr sz="1500"/>
+            <a:lvl4pPr marL="1349929" indent="0">
+              <a:buNone/>
+              <a:defRPr sz="1968"/>
             </a:lvl4pPr>
-            <a:lvl5pPr marL="1371600" indent="0">
-              <a:buNone/>
-              <a:defRPr sz="1500"/>
+            <a:lvl5pPr marL="1799905" indent="0">
+              <a:buNone/>
+              <a:defRPr sz="1968"/>
             </a:lvl5pPr>
-            <a:lvl6pPr marL="1714500" indent="0">
-              <a:buNone/>
-              <a:defRPr sz="1500"/>
+            <a:lvl6pPr marL="2249881" indent="0">
+              <a:buNone/>
+              <a:defRPr sz="1968"/>
             </a:lvl6pPr>
-            <a:lvl7pPr marL="2057400" indent="0">
-              <a:buNone/>
-              <a:defRPr sz="1500"/>
+            <a:lvl7pPr marL="2699857" indent="0">
+              <a:buNone/>
+              <a:defRPr sz="1968"/>
             </a:lvl7pPr>
-            <a:lvl8pPr marL="2400300" indent="0">
-              <a:buNone/>
-              <a:defRPr sz="1500"/>
+            <a:lvl8pPr marL="3149834" indent="0">
+              <a:buNone/>
+              <a:defRPr sz="1968"/>
             </a:lvl8pPr>
-            <a:lvl9pPr marL="2743200" indent="0">
-              <a:buNone/>
-              <a:defRPr sz="1500"/>
+            <a:lvl9pPr marL="3599810" indent="0">
+              <a:buNone/>
+              <a:defRPr sz="1968"/>
             </a:lvl9pPr>
           </a:lstStyle>
           <a:p>
@@ -2278,8 +2283,8 @@
         </p:nvSpPr>
         <p:spPr>
           <a:xfrm>
-            <a:off x="472381" y="2743200"/>
-            <a:ext cx="2211884" cy="5082117"/>
+            <a:off x="619891" y="2743200"/>
+            <a:ext cx="2902585" cy="5082117"/>
           </a:xfrm>
         </p:spPr>
         <p:txBody>
@@ -2287,39 +2292,39 @@
           <a:lstStyle>
             <a:lvl1pPr marL="0" indent="0">
               <a:buNone/>
-              <a:defRPr sz="1200"/>
+              <a:defRPr sz="1575"/>
             </a:lvl1pPr>
-            <a:lvl2pPr marL="342900" indent="0">
-              <a:buNone/>
-              <a:defRPr sz="1050"/>
+            <a:lvl2pPr marL="449976" indent="0">
+              <a:buNone/>
+              <a:defRPr sz="1378"/>
             </a:lvl2pPr>
-            <a:lvl3pPr marL="685800" indent="0">
-              <a:buNone/>
-              <a:defRPr sz="900"/>
+            <a:lvl3pPr marL="899952" indent="0">
+              <a:buNone/>
+              <a:defRPr sz="1181"/>
             </a:lvl3pPr>
-            <a:lvl4pPr marL="1028700" indent="0">
-              <a:buNone/>
-              <a:defRPr sz="750"/>
+            <a:lvl4pPr marL="1349929" indent="0">
+              <a:buNone/>
+              <a:defRPr sz="984"/>
             </a:lvl4pPr>
-            <a:lvl5pPr marL="1371600" indent="0">
-              <a:buNone/>
-              <a:defRPr sz="750"/>
+            <a:lvl5pPr marL="1799905" indent="0">
+              <a:buNone/>
+              <a:defRPr sz="984"/>
             </a:lvl5pPr>
-            <a:lvl6pPr marL="1714500" indent="0">
-              <a:buNone/>
-              <a:defRPr sz="750"/>
+            <a:lvl6pPr marL="2249881" indent="0">
+              <a:buNone/>
+              <a:defRPr sz="984"/>
             </a:lvl6pPr>
-            <a:lvl7pPr marL="2057400" indent="0">
-              <a:buNone/>
-              <a:defRPr sz="750"/>
+            <a:lvl7pPr marL="2699857" indent="0">
+              <a:buNone/>
+              <a:defRPr sz="984"/>
             </a:lvl7pPr>
-            <a:lvl8pPr marL="2400300" indent="0">
-              <a:buNone/>
-              <a:defRPr sz="750"/>
+            <a:lvl8pPr marL="3149834" indent="0">
+              <a:buNone/>
+              <a:defRPr sz="984"/>
             </a:lvl8pPr>
-            <a:lvl9pPr marL="2743200" indent="0">
-              <a:buNone/>
-              <a:defRPr sz="750"/>
+            <a:lvl9pPr marL="3599810" indent="0">
+              <a:buNone/>
+              <a:defRPr sz="984"/>
             </a:lvl9pPr>
           </a:lstStyle>
           <a:p>
@@ -2348,7 +2353,7 @@
           <a:p>
             <a:fld id="{3D9150BF-0164-49F8-88E0-36F59A389ABD}" type="datetimeFigureOut">
               <a:rPr lang="en-CA" smtClean="0"/>
-              <a:t>2019-11-22</a:t>
+              <a:t>2019-12-07</a:t>
             </a:fld>
             <a:endParaRPr lang="en-CA"/>
           </a:p>
@@ -2399,7 +2404,7 @@
     </p:spTree>
     <p:extLst>
       <p:ext uri="{BB962C8B-B14F-4D97-AF65-F5344CB8AC3E}">
-        <p14:creationId xmlns:p14="http://schemas.microsoft.com/office/powerpoint/2010/main" val="3333747774"/>
+        <p14:creationId xmlns:p14="http://schemas.microsoft.com/office/powerpoint/2010/main" val="3244263060"/>
       </p:ext>
     </p:extLst>
   </p:cSld>
@@ -2443,8 +2448,8 @@
         </p:nvSpPr>
         <p:spPr>
           <a:xfrm>
-            <a:off x="471488" y="486836"/>
-            <a:ext cx="5915025" cy="1767417"/>
+            <a:off x="618718" y="486836"/>
+            <a:ext cx="7762102" cy="1767417"/>
           </a:xfrm>
           <a:prstGeom prst="rect">
             <a:avLst/>
@@ -2476,8 +2481,8 @@
         </p:nvSpPr>
         <p:spPr>
           <a:xfrm>
-            <a:off x="471488" y="2434167"/>
-            <a:ext cx="5915025" cy="5801784"/>
+            <a:off x="618718" y="2434167"/>
+            <a:ext cx="7762102" cy="5801784"/>
           </a:xfrm>
           <a:prstGeom prst="rect">
             <a:avLst/>
@@ -2538,8 +2543,8 @@
         </p:nvSpPr>
         <p:spPr>
           <a:xfrm>
-            <a:off x="471488" y="8475136"/>
-            <a:ext cx="1543050" cy="486833"/>
+            <a:off x="618718" y="8475136"/>
+            <a:ext cx="2024896" cy="486833"/>
           </a:xfrm>
           <a:prstGeom prst="rect">
             <a:avLst/>
@@ -2549,7 +2554,7 @@
           <a:bodyPr vert="horz" lIns="91440" tIns="45720" rIns="91440" bIns="45720" rtlCol="0" anchor="ctr"/>
           <a:lstStyle>
             <a:lvl1pPr algn="l">
-              <a:defRPr sz="900">
+              <a:defRPr sz="1181">
                 <a:solidFill>
                   <a:schemeClr val="tx1">
                     <a:tint val="75000"/>
@@ -2561,7 +2566,7 @@
           <a:p>
             <a:fld id="{3D9150BF-0164-49F8-88E0-36F59A389ABD}" type="datetimeFigureOut">
               <a:rPr lang="en-CA" smtClean="0"/>
-              <a:t>2019-11-22</a:t>
+              <a:t>2019-12-07</a:t>
             </a:fld>
             <a:endParaRPr lang="en-CA"/>
           </a:p>
@@ -2579,8 +2584,8 @@
         </p:nvSpPr>
         <p:spPr>
           <a:xfrm>
-            <a:off x="2271713" y="8475136"/>
-            <a:ext cx="2314575" cy="486833"/>
+            <a:off x="2981097" y="8475136"/>
+            <a:ext cx="3037344" cy="486833"/>
           </a:xfrm>
           <a:prstGeom prst="rect">
             <a:avLst/>
@@ -2590,7 +2595,7 @@
           <a:bodyPr vert="horz" lIns="91440" tIns="45720" rIns="91440" bIns="45720" rtlCol="0" anchor="ctr"/>
           <a:lstStyle>
             <a:lvl1pPr algn="ctr">
-              <a:defRPr sz="900">
+              <a:defRPr sz="1181">
                 <a:solidFill>
                   <a:schemeClr val="tx1">
                     <a:tint val="75000"/>
@@ -2616,8 +2621,8 @@
         </p:nvSpPr>
         <p:spPr>
           <a:xfrm>
-            <a:off x="4843463" y="8475136"/>
-            <a:ext cx="1543050" cy="486833"/>
+            <a:off x="6355924" y="8475136"/>
+            <a:ext cx="2024896" cy="486833"/>
           </a:xfrm>
           <a:prstGeom prst="rect">
             <a:avLst/>
@@ -2627,7 +2632,7 @@
           <a:bodyPr vert="horz" lIns="91440" tIns="45720" rIns="91440" bIns="45720" rtlCol="0" anchor="ctr"/>
           <a:lstStyle>
             <a:lvl1pPr algn="r">
-              <a:defRPr sz="900">
+              <a:defRPr sz="1181">
                 <a:solidFill>
                   <a:schemeClr val="tx1">
                     <a:tint val="75000"/>
@@ -2648,27 +2653,27 @@
     </p:spTree>
     <p:extLst>
       <p:ext uri="{BB962C8B-B14F-4D97-AF65-F5344CB8AC3E}">
-        <p14:creationId xmlns:p14="http://schemas.microsoft.com/office/powerpoint/2010/main" val="167170826"/>
+        <p14:creationId xmlns:p14="http://schemas.microsoft.com/office/powerpoint/2010/main" val="2282866219"/>
       </p:ext>
     </p:extLst>
   </p:cSld>
   <p:clrMap bg1="lt1" tx1="dk1" bg2="lt2" tx2="dk2" accent1="accent1" accent2="accent2" accent3="accent3" accent4="accent4" accent5="accent5" accent6="accent6" hlink="hlink" folHlink="folHlink"/>
   <p:sldLayoutIdLst>
-    <p:sldLayoutId id="2147483661" r:id="rId1"/>
-    <p:sldLayoutId id="2147483662" r:id="rId2"/>
-    <p:sldLayoutId id="2147483663" r:id="rId3"/>
-    <p:sldLayoutId id="2147483664" r:id="rId4"/>
-    <p:sldLayoutId id="2147483665" r:id="rId5"/>
-    <p:sldLayoutId id="2147483666" r:id="rId6"/>
-    <p:sldLayoutId id="2147483667" r:id="rId7"/>
-    <p:sldLayoutId id="2147483668" r:id="rId8"/>
-    <p:sldLayoutId id="2147483669" r:id="rId9"/>
-    <p:sldLayoutId id="2147483670" r:id="rId10"/>
-    <p:sldLayoutId id="2147483671" r:id="rId11"/>
+    <p:sldLayoutId id="2147483673" r:id="rId1"/>
+    <p:sldLayoutId id="2147483674" r:id="rId2"/>
+    <p:sldLayoutId id="2147483675" r:id="rId3"/>
+    <p:sldLayoutId id="2147483676" r:id="rId4"/>
+    <p:sldLayoutId id="2147483677" r:id="rId5"/>
+    <p:sldLayoutId id="2147483678" r:id="rId6"/>
+    <p:sldLayoutId id="2147483679" r:id="rId7"/>
+    <p:sldLayoutId id="2147483680" r:id="rId8"/>
+    <p:sldLayoutId id="2147483681" r:id="rId9"/>
+    <p:sldLayoutId id="2147483682" r:id="rId10"/>
+    <p:sldLayoutId id="2147483683" r:id="rId11"/>
   </p:sldLayoutIdLst>
   <p:txStyles>
     <p:titleStyle>
-      <a:lvl1pPr algn="l" defTabSz="685800" rtl="0" eaLnBrk="1" latinLnBrk="0" hangingPunct="1">
+      <a:lvl1pPr algn="l" defTabSz="899952" rtl="0" eaLnBrk="1" latinLnBrk="0" hangingPunct="1">
         <a:lnSpc>
           <a:spcPct val="90000"/>
         </a:lnSpc>
@@ -2676,7 +2681,7 @@
           <a:spcPct val="0"/>
         </a:spcBef>
         <a:buNone/>
-        <a:defRPr sz="3300" kern="1200">
+        <a:defRPr sz="4330" kern="1200">
           <a:solidFill>
             <a:schemeClr val="tx1"/>
           </a:solidFill>
@@ -2687,16 +2692,16 @@
       </a:lvl1pPr>
     </p:titleStyle>
     <p:bodyStyle>
-      <a:lvl1pPr marL="171450" indent="-171450" algn="l" defTabSz="685800" rtl="0" eaLnBrk="1" latinLnBrk="0" hangingPunct="1">
+      <a:lvl1pPr marL="224988" indent="-224988" algn="l" defTabSz="899952" rtl="0" eaLnBrk="1" latinLnBrk="0" hangingPunct="1">
         <a:lnSpc>
           <a:spcPct val="90000"/>
         </a:lnSpc>
         <a:spcBef>
-          <a:spcPts val="750"/>
+          <a:spcPts val="984"/>
         </a:spcBef>
         <a:buFont typeface="Arial" panose="020B0604020202020204" pitchFamily="34" charset="0"/>
         <a:buChar char="•"/>
-        <a:defRPr sz="2100" kern="1200">
+        <a:defRPr sz="2756" kern="1200">
           <a:solidFill>
             <a:schemeClr val="tx1"/>
           </a:solidFill>
@@ -2705,16 +2710,16 @@
           <a:cs typeface="+mn-cs"/>
         </a:defRPr>
       </a:lvl1pPr>
-      <a:lvl2pPr marL="514350" indent="-171450" algn="l" defTabSz="685800" rtl="0" eaLnBrk="1" latinLnBrk="0" hangingPunct="1">
+      <a:lvl2pPr marL="674964" indent="-224988" algn="l" defTabSz="899952" rtl="0" eaLnBrk="1" latinLnBrk="0" hangingPunct="1">
         <a:lnSpc>
           <a:spcPct val="90000"/>
         </a:lnSpc>
         <a:spcBef>
-          <a:spcPts val="375"/>
+          <a:spcPts val="492"/>
         </a:spcBef>
         <a:buFont typeface="Arial" panose="020B0604020202020204" pitchFamily="34" charset="0"/>
         <a:buChar char="•"/>
-        <a:defRPr sz="1800" kern="1200">
+        <a:defRPr sz="2362" kern="1200">
           <a:solidFill>
             <a:schemeClr val="tx1"/>
           </a:solidFill>
@@ -2723,16 +2728,16 @@
           <a:cs typeface="+mn-cs"/>
         </a:defRPr>
       </a:lvl2pPr>
-      <a:lvl3pPr marL="857250" indent="-171450" algn="l" defTabSz="685800" rtl="0" eaLnBrk="1" latinLnBrk="0" hangingPunct="1">
+      <a:lvl3pPr marL="1124941" indent="-224988" algn="l" defTabSz="899952" rtl="0" eaLnBrk="1" latinLnBrk="0" hangingPunct="1">
         <a:lnSpc>
           <a:spcPct val="90000"/>
         </a:lnSpc>
         <a:spcBef>
-          <a:spcPts val="375"/>
+          <a:spcPts val="492"/>
         </a:spcBef>
         <a:buFont typeface="Arial" panose="020B0604020202020204" pitchFamily="34" charset="0"/>
         <a:buChar char="•"/>
-        <a:defRPr sz="1500" kern="1200">
+        <a:defRPr sz="1968" kern="1200">
           <a:solidFill>
             <a:schemeClr val="tx1"/>
           </a:solidFill>
@@ -2741,16 +2746,16 @@
           <a:cs typeface="+mn-cs"/>
         </a:defRPr>
       </a:lvl3pPr>
-      <a:lvl4pPr marL="1200150" indent="-171450" algn="l" defTabSz="685800" rtl="0" eaLnBrk="1" latinLnBrk="0" hangingPunct="1">
+      <a:lvl4pPr marL="1574917" indent="-224988" algn="l" defTabSz="899952" rtl="0" eaLnBrk="1" latinLnBrk="0" hangingPunct="1">
         <a:lnSpc>
           <a:spcPct val="90000"/>
         </a:lnSpc>
         <a:spcBef>
-          <a:spcPts val="375"/>
+          <a:spcPts val="492"/>
         </a:spcBef>
         <a:buFont typeface="Arial" panose="020B0604020202020204" pitchFamily="34" charset="0"/>
         <a:buChar char="•"/>
-        <a:defRPr sz="1350" kern="1200">
+        <a:defRPr sz="1772" kern="1200">
           <a:solidFill>
             <a:schemeClr val="tx1"/>
           </a:solidFill>
@@ -2759,16 +2764,16 @@
           <a:cs typeface="+mn-cs"/>
         </a:defRPr>
       </a:lvl4pPr>
-      <a:lvl5pPr marL="1543050" indent="-171450" algn="l" defTabSz="685800" rtl="0" eaLnBrk="1" latinLnBrk="0" hangingPunct="1">
+      <a:lvl5pPr marL="2024893" indent="-224988" algn="l" defTabSz="899952" rtl="0" eaLnBrk="1" latinLnBrk="0" hangingPunct="1">
         <a:lnSpc>
           <a:spcPct val="90000"/>
         </a:lnSpc>
         <a:spcBef>
-          <a:spcPts val="375"/>
+          <a:spcPts val="492"/>
         </a:spcBef>
         <a:buFont typeface="Arial" panose="020B0604020202020204" pitchFamily="34" charset="0"/>
         <a:buChar char="•"/>
-        <a:defRPr sz="1350" kern="1200">
+        <a:defRPr sz="1772" kern="1200">
           <a:solidFill>
             <a:schemeClr val="tx1"/>
           </a:solidFill>
@@ -2777,16 +2782,16 @@
           <a:cs typeface="+mn-cs"/>
         </a:defRPr>
       </a:lvl5pPr>
-      <a:lvl6pPr marL="1885950" indent="-171450" algn="l" defTabSz="685800" rtl="0" eaLnBrk="1" latinLnBrk="0" hangingPunct="1">
+      <a:lvl6pPr marL="2474869" indent="-224988" algn="l" defTabSz="899952" rtl="0" eaLnBrk="1" latinLnBrk="0" hangingPunct="1">
         <a:lnSpc>
           <a:spcPct val="90000"/>
         </a:lnSpc>
         <a:spcBef>
-          <a:spcPts val="375"/>
+          <a:spcPts val="492"/>
         </a:spcBef>
         <a:buFont typeface="Arial" panose="020B0604020202020204" pitchFamily="34" charset="0"/>
         <a:buChar char="•"/>
-        <a:defRPr sz="1350" kern="1200">
+        <a:defRPr sz="1772" kern="1200">
           <a:solidFill>
             <a:schemeClr val="tx1"/>
           </a:solidFill>
@@ -2795,16 +2800,16 @@
           <a:cs typeface="+mn-cs"/>
         </a:defRPr>
       </a:lvl6pPr>
-      <a:lvl7pPr marL="2228850" indent="-171450" algn="l" defTabSz="685800" rtl="0" eaLnBrk="1" latinLnBrk="0" hangingPunct="1">
+      <a:lvl7pPr marL="2924846" indent="-224988" algn="l" defTabSz="899952" rtl="0" eaLnBrk="1" latinLnBrk="0" hangingPunct="1">
         <a:lnSpc>
           <a:spcPct val="90000"/>
         </a:lnSpc>
         <a:spcBef>
-          <a:spcPts val="375"/>
+          <a:spcPts val="492"/>
         </a:spcBef>
         <a:buFont typeface="Arial" panose="020B0604020202020204" pitchFamily="34" charset="0"/>
         <a:buChar char="•"/>
-        <a:defRPr sz="1350" kern="1200">
+        <a:defRPr sz="1772" kern="1200">
           <a:solidFill>
             <a:schemeClr val="tx1"/>
           </a:solidFill>
@@ -2813,16 +2818,16 @@
           <a:cs typeface="+mn-cs"/>
         </a:defRPr>
       </a:lvl7pPr>
-      <a:lvl8pPr marL="2571750" indent="-171450" algn="l" defTabSz="685800" rtl="0" eaLnBrk="1" latinLnBrk="0" hangingPunct="1">
+      <a:lvl8pPr marL="3374822" indent="-224988" algn="l" defTabSz="899952" rtl="0" eaLnBrk="1" latinLnBrk="0" hangingPunct="1">
         <a:lnSpc>
           <a:spcPct val="90000"/>
         </a:lnSpc>
         <a:spcBef>
-          <a:spcPts val="375"/>
+          <a:spcPts val="492"/>
         </a:spcBef>
         <a:buFont typeface="Arial" panose="020B0604020202020204" pitchFamily="34" charset="0"/>
         <a:buChar char="•"/>
-        <a:defRPr sz="1350" kern="1200">
+        <a:defRPr sz="1772" kern="1200">
           <a:solidFill>
             <a:schemeClr val="tx1"/>
           </a:solidFill>
@@ -2831,16 +2836,16 @@
           <a:cs typeface="+mn-cs"/>
         </a:defRPr>
       </a:lvl8pPr>
-      <a:lvl9pPr marL="2914650" indent="-171450" algn="l" defTabSz="685800" rtl="0" eaLnBrk="1" latinLnBrk="0" hangingPunct="1">
+      <a:lvl9pPr marL="3824798" indent="-224988" algn="l" defTabSz="899952" rtl="0" eaLnBrk="1" latinLnBrk="0" hangingPunct="1">
         <a:lnSpc>
           <a:spcPct val="90000"/>
         </a:lnSpc>
         <a:spcBef>
-          <a:spcPts val="375"/>
+          <a:spcPts val="492"/>
         </a:spcBef>
         <a:buFont typeface="Arial" panose="020B0604020202020204" pitchFamily="34" charset="0"/>
         <a:buChar char="•"/>
-        <a:defRPr sz="1350" kern="1200">
+        <a:defRPr sz="1772" kern="1200">
           <a:solidFill>
             <a:schemeClr val="tx1"/>
           </a:solidFill>
@@ -2854,8 +2859,8 @@
       <a:defPPr>
         <a:defRPr lang="en-US"/>
       </a:defPPr>
-      <a:lvl1pPr marL="0" algn="l" defTabSz="685800" rtl="0" eaLnBrk="1" latinLnBrk="0" hangingPunct="1">
-        <a:defRPr sz="1350" kern="1200">
+      <a:lvl1pPr marL="0" algn="l" defTabSz="899952" rtl="0" eaLnBrk="1" latinLnBrk="0" hangingPunct="1">
+        <a:defRPr sz="1772" kern="1200">
           <a:solidFill>
             <a:schemeClr val="tx1"/>
           </a:solidFill>
@@ -2864,8 +2869,8 @@
           <a:cs typeface="+mn-cs"/>
         </a:defRPr>
       </a:lvl1pPr>
-      <a:lvl2pPr marL="342900" algn="l" defTabSz="685800" rtl="0" eaLnBrk="1" latinLnBrk="0" hangingPunct="1">
-        <a:defRPr sz="1350" kern="1200">
+      <a:lvl2pPr marL="449976" algn="l" defTabSz="899952" rtl="0" eaLnBrk="1" latinLnBrk="0" hangingPunct="1">
+        <a:defRPr sz="1772" kern="1200">
           <a:solidFill>
             <a:schemeClr val="tx1"/>
           </a:solidFill>
@@ -2874,8 +2879,8 @@
           <a:cs typeface="+mn-cs"/>
         </a:defRPr>
       </a:lvl2pPr>
-      <a:lvl3pPr marL="685800" algn="l" defTabSz="685800" rtl="0" eaLnBrk="1" latinLnBrk="0" hangingPunct="1">
-        <a:defRPr sz="1350" kern="1200">
+      <a:lvl3pPr marL="899952" algn="l" defTabSz="899952" rtl="0" eaLnBrk="1" latinLnBrk="0" hangingPunct="1">
+        <a:defRPr sz="1772" kern="1200">
           <a:solidFill>
             <a:schemeClr val="tx1"/>
           </a:solidFill>
@@ -2884,8 +2889,8 @@
           <a:cs typeface="+mn-cs"/>
         </a:defRPr>
       </a:lvl3pPr>
-      <a:lvl4pPr marL="1028700" algn="l" defTabSz="685800" rtl="0" eaLnBrk="1" latinLnBrk="0" hangingPunct="1">
-        <a:defRPr sz="1350" kern="1200">
+      <a:lvl4pPr marL="1349929" algn="l" defTabSz="899952" rtl="0" eaLnBrk="1" latinLnBrk="0" hangingPunct="1">
+        <a:defRPr sz="1772" kern="1200">
           <a:solidFill>
             <a:schemeClr val="tx1"/>
           </a:solidFill>
@@ -2894,8 +2899,8 @@
           <a:cs typeface="+mn-cs"/>
         </a:defRPr>
       </a:lvl4pPr>
-      <a:lvl5pPr marL="1371600" algn="l" defTabSz="685800" rtl="0" eaLnBrk="1" latinLnBrk="0" hangingPunct="1">
-        <a:defRPr sz="1350" kern="1200">
+      <a:lvl5pPr marL="1799905" algn="l" defTabSz="899952" rtl="0" eaLnBrk="1" latinLnBrk="0" hangingPunct="1">
+        <a:defRPr sz="1772" kern="1200">
           <a:solidFill>
             <a:schemeClr val="tx1"/>
           </a:solidFill>
@@ -2904,8 +2909,8 @@
           <a:cs typeface="+mn-cs"/>
         </a:defRPr>
       </a:lvl5pPr>
-      <a:lvl6pPr marL="1714500" algn="l" defTabSz="685800" rtl="0" eaLnBrk="1" latinLnBrk="0" hangingPunct="1">
-        <a:defRPr sz="1350" kern="1200">
+      <a:lvl6pPr marL="2249881" algn="l" defTabSz="899952" rtl="0" eaLnBrk="1" latinLnBrk="0" hangingPunct="1">
+        <a:defRPr sz="1772" kern="1200">
           <a:solidFill>
             <a:schemeClr val="tx1"/>
           </a:solidFill>
@@ -2914,8 +2919,8 @@
           <a:cs typeface="+mn-cs"/>
         </a:defRPr>
       </a:lvl6pPr>
-      <a:lvl7pPr marL="2057400" algn="l" defTabSz="685800" rtl="0" eaLnBrk="1" latinLnBrk="0" hangingPunct="1">
-        <a:defRPr sz="1350" kern="1200">
+      <a:lvl7pPr marL="2699857" algn="l" defTabSz="899952" rtl="0" eaLnBrk="1" latinLnBrk="0" hangingPunct="1">
+        <a:defRPr sz="1772" kern="1200">
           <a:solidFill>
             <a:schemeClr val="tx1"/>
           </a:solidFill>
@@ -2924,8 +2929,8 @@
           <a:cs typeface="+mn-cs"/>
         </a:defRPr>
       </a:lvl7pPr>
-      <a:lvl8pPr marL="2400300" algn="l" defTabSz="685800" rtl="0" eaLnBrk="1" latinLnBrk="0" hangingPunct="1">
-        <a:defRPr sz="1350" kern="1200">
+      <a:lvl8pPr marL="3149834" algn="l" defTabSz="899952" rtl="0" eaLnBrk="1" latinLnBrk="0" hangingPunct="1">
+        <a:defRPr sz="1772" kern="1200">
           <a:solidFill>
             <a:schemeClr val="tx1"/>
           </a:solidFill>
@@ -2934,8 +2939,8 @@
           <a:cs typeface="+mn-cs"/>
         </a:defRPr>
       </a:lvl8pPr>
-      <a:lvl9pPr marL="2743200" algn="l" defTabSz="685800" rtl="0" eaLnBrk="1" latinLnBrk="0" hangingPunct="1">
-        <a:defRPr sz="1350" kern="1200">
+      <a:lvl9pPr marL="3599810" algn="l" defTabSz="899952" rtl="0" eaLnBrk="1" latinLnBrk="0" hangingPunct="1">
+        <a:defRPr sz="1772" kern="1200">
           <a:solidFill>
             <a:schemeClr val="tx1"/>
           </a:solidFill>
@@ -2991,8 +2996,8 @@
         </p:nvSpPr>
         <p:spPr>
           <a:xfrm>
-            <a:off x="-1" y="-1"/>
-            <a:ext cx="6858001" cy="721545"/>
+            <a:off x="0" y="-1"/>
+            <a:ext cx="8999537" cy="721545"/>
           </a:xfrm>
           <a:prstGeom prst="rect">
             <a:avLst/>
@@ -3046,7 +3051,7 @@
         </p:blipFill>
         <p:spPr>
           <a:xfrm>
-            <a:off x="1609970" y="892175"/>
+            <a:off x="2680739" y="892175"/>
             <a:ext cx="4743938" cy="2366922"/>
           </a:xfrm>
           <a:prstGeom prst="rect">
@@ -3068,7 +3073,7 @@
         </p:nvSpPr>
         <p:spPr>
           <a:xfrm>
-            <a:off x="1492738" y="3421187"/>
+            <a:off x="2563507" y="3421188"/>
             <a:ext cx="4954954" cy="187569"/>
           </a:xfrm>
           <a:prstGeom prst="roundRect">
@@ -3126,7 +3131,7 @@
         </p:nvCxnSpPr>
         <p:spPr>
           <a:xfrm>
-            <a:off x="1609970" y="3517902"/>
+            <a:off x="2680739" y="3517902"/>
             <a:ext cx="4743938" cy="0"/>
           </a:xfrm>
           <a:prstGeom prst="line">
@@ -3169,7 +3174,7 @@
         </p:nvSpPr>
         <p:spPr>
           <a:xfrm>
-            <a:off x="1811868" y="3476137"/>
+            <a:off x="2882638" y="3476138"/>
             <a:ext cx="80433" cy="80433"/>
           </a:xfrm>
           <a:prstGeom prst="ellipse">
@@ -3215,7 +3220,7 @@
         </p:nvSpPr>
         <p:spPr>
           <a:xfrm>
-            <a:off x="1729400" y="2396069"/>
+            <a:off x="2800170" y="2396070"/>
             <a:ext cx="1288967" cy="829733"/>
           </a:xfrm>
           <a:prstGeom prst="rect">
@@ -3267,7 +3272,7 @@
         </p:nvSpPr>
         <p:spPr>
           <a:xfrm>
-            <a:off x="319616" y="144290"/>
+            <a:off x="1390385" y="144290"/>
             <a:ext cx="6311900" cy="400110"/>
           </a:xfrm>
           <a:prstGeom prst="rect">
@@ -3288,179 +3293,6 @@
                 <a:cs typeface="Aharoni" panose="020B0604020202020204" pitchFamily="2" charset="-79"/>
               </a:rPr>
               <a:t>World Wide Arms and Ammunition Movement and GDP effects</a:t>
-            </a:r>
-          </a:p>
-        </p:txBody>
-      </p:sp>
-      <p:sp>
-        <p:nvSpPr>
-          <p:cNvPr id="14" name="Rectangle: Rounded Corners 13">
-            <a:extLst>
-              <a:ext uri="{FF2B5EF4-FFF2-40B4-BE49-F238E27FC236}">
-                <a16:creationId xmlns:a16="http://schemas.microsoft.com/office/drawing/2014/main" id="{C7190225-FDB1-429F-9FAD-C289D413BFD5}"/>
-              </a:ext>
-            </a:extLst>
-          </p:cNvPr>
-          <p:cNvSpPr/>
-          <p:nvPr/>
-        </p:nvSpPr>
-        <p:spPr>
-          <a:xfrm>
-            <a:off x="323442" y="1146584"/>
-            <a:ext cx="988483" cy="436033"/>
-          </a:xfrm>
-          <a:prstGeom prst="roundRect">
-            <a:avLst/>
-          </a:prstGeom>
-        </p:spPr>
-        <p:style>
-          <a:lnRef idx="1">
-            <a:schemeClr val="accent5"/>
-          </a:lnRef>
-          <a:fillRef idx="3">
-            <a:schemeClr val="accent5"/>
-          </a:fillRef>
-          <a:effectRef idx="2">
-            <a:schemeClr val="accent5"/>
-          </a:effectRef>
-          <a:fontRef idx="minor">
-            <a:schemeClr val="lt1"/>
-          </a:fontRef>
-        </p:style>
-        <p:txBody>
-          <a:bodyPr rtlCol="0" anchor="ctr"/>
-          <a:lstStyle/>
-          <a:p>
-            <a:pPr algn="ctr"/>
-            <a:endParaRPr lang="en-CA"/>
-          </a:p>
-        </p:txBody>
-      </p:sp>
-      <p:sp>
-        <p:nvSpPr>
-          <p:cNvPr id="15" name="Rectangle: Rounded Corners 14">
-            <a:extLst>
-              <a:ext uri="{FF2B5EF4-FFF2-40B4-BE49-F238E27FC236}">
-                <a16:creationId xmlns:a16="http://schemas.microsoft.com/office/drawing/2014/main" id="{523FA513-AF9C-4702-B351-89F43593A659}"/>
-              </a:ext>
-            </a:extLst>
-          </p:cNvPr>
-          <p:cNvSpPr/>
-          <p:nvPr/>
-        </p:nvSpPr>
-        <p:spPr>
-          <a:xfrm>
-            <a:off x="319616" y="1790867"/>
-            <a:ext cx="988483" cy="436033"/>
-          </a:xfrm>
-          <a:prstGeom prst="roundRect">
-            <a:avLst/>
-          </a:prstGeom>
-        </p:spPr>
-        <p:style>
-          <a:lnRef idx="1">
-            <a:schemeClr val="accent3"/>
-          </a:lnRef>
-          <a:fillRef idx="3">
-            <a:schemeClr val="accent3"/>
-          </a:fillRef>
-          <a:effectRef idx="2">
-            <a:schemeClr val="accent3"/>
-          </a:effectRef>
-          <a:fontRef idx="minor">
-            <a:schemeClr val="lt1"/>
-          </a:fontRef>
-        </p:style>
-        <p:txBody>
-          <a:bodyPr rtlCol="0" anchor="ctr"/>
-          <a:lstStyle/>
-          <a:p>
-            <a:pPr algn="ctr"/>
-            <a:endParaRPr lang="en-CA"/>
-          </a:p>
-        </p:txBody>
-      </p:sp>
-      <p:sp>
-        <p:nvSpPr>
-          <p:cNvPr id="16" name="Rectangle: Rounded Corners 15">
-            <a:extLst>
-              <a:ext uri="{FF2B5EF4-FFF2-40B4-BE49-F238E27FC236}">
-                <a16:creationId xmlns:a16="http://schemas.microsoft.com/office/drawing/2014/main" id="{70D39207-972D-4122-AEFC-1FACE6EB15A7}"/>
-              </a:ext>
-            </a:extLst>
-          </p:cNvPr>
-          <p:cNvSpPr/>
-          <p:nvPr/>
-        </p:nvSpPr>
-        <p:spPr>
-          <a:xfrm>
-            <a:off x="319616" y="2435151"/>
-            <a:ext cx="988483" cy="436033"/>
-          </a:xfrm>
-          <a:prstGeom prst="roundRect">
-            <a:avLst/>
-          </a:prstGeom>
-        </p:spPr>
-        <p:style>
-          <a:lnRef idx="1">
-            <a:schemeClr val="accent3"/>
-          </a:lnRef>
-          <a:fillRef idx="3">
-            <a:schemeClr val="accent3"/>
-          </a:fillRef>
-          <a:effectRef idx="2">
-            <a:schemeClr val="accent3"/>
-          </a:effectRef>
-          <a:fontRef idx="minor">
-            <a:schemeClr val="lt1"/>
-          </a:fontRef>
-        </p:style>
-        <p:txBody>
-          <a:bodyPr rtlCol="0" anchor="ctr"/>
-          <a:lstStyle/>
-          <a:p>
-            <a:pPr algn="ctr"/>
-            <a:endParaRPr lang="en-CA"/>
-          </a:p>
-        </p:txBody>
-      </p:sp>
-      <p:sp>
-        <p:nvSpPr>
-          <p:cNvPr id="17" name="TextBox 16">
-            <a:extLst>
-              <a:ext uri="{FF2B5EF4-FFF2-40B4-BE49-F238E27FC236}">
-                <a16:creationId xmlns:a16="http://schemas.microsoft.com/office/drawing/2014/main" id="{8D5CBC49-3267-44D6-8F6E-6D748093401D}"/>
-              </a:ext>
-            </a:extLst>
-          </p:cNvPr>
-          <p:cNvSpPr txBox="1"/>
-          <p:nvPr/>
-        </p:nvSpPr>
-        <p:spPr>
-          <a:xfrm>
-            <a:off x="426916" y="1213286"/>
-            <a:ext cx="1124438" cy="307777"/>
-          </a:xfrm>
-          <a:prstGeom prst="rect">
-            <a:avLst/>
-          </a:prstGeom>
-          <a:noFill/>
-        </p:spPr>
-        <p:txBody>
-          <a:bodyPr wrap="square" rtlCol="0">
-            <a:spAutoFit/>
-          </a:bodyPr>
-          <a:lstStyle/>
-          <a:p>
-            <a:r>
-              <a:rPr lang="en-CA" sz="1400" dirty="0">
-                <a:solidFill>
-                  <a:schemeClr val="bg1"/>
-                </a:solidFill>
-                <a:latin typeface="Bahnschrift SemiBold SemiConden" panose="020B0502040204020203" pitchFamily="34" charset="0"/>
-                <a:cs typeface="Arial" panose="020B0604020202020204" pitchFamily="34" charset="0"/>
-              </a:rPr>
-              <a:t>IMPORT</a:t>
             </a:r>
           </a:p>
         </p:txBody>
@@ -3479,8 +3311,8 @@
         </p:nvSpPr>
         <p:spPr>
           <a:xfrm>
-            <a:off x="426916" y="1856825"/>
-            <a:ext cx="1124438" cy="307777"/>
+            <a:off x="1840547" y="1347917"/>
+            <a:ext cx="1124438" cy="276999"/>
           </a:xfrm>
           <a:prstGeom prst="rect">
             <a:avLst/>
@@ -3494,55 +3326,11 @@
           <a:lstStyle/>
           <a:p>
             <a:r>
-              <a:rPr lang="en-CA" sz="1400" dirty="0">
-                <a:solidFill>
-                  <a:schemeClr val="bg1"/>
-                </a:solidFill>
-                <a:latin typeface="Bahnschrift SemiBold SemiConden" panose="020B0502040204020203" pitchFamily="34" charset="0"/>
+              <a:rPr lang="en-CA" sz="1200" dirty="0">
+                <a:latin typeface="Arial" panose="020B0604020202020204" pitchFamily="34" charset="0"/>
                 <a:cs typeface="Arial" panose="020B0604020202020204" pitchFamily="34" charset="0"/>
               </a:rPr>
-              <a:t>EXPORT</a:t>
-            </a:r>
-          </a:p>
-        </p:txBody>
-      </p:sp>
-      <p:sp>
-        <p:nvSpPr>
-          <p:cNvPr id="19" name="TextBox 18">
-            <a:extLst>
-              <a:ext uri="{FF2B5EF4-FFF2-40B4-BE49-F238E27FC236}">
-                <a16:creationId xmlns:a16="http://schemas.microsoft.com/office/drawing/2014/main" id="{1D8DA16C-64C5-456D-BCAE-96B6FD3CC217}"/>
-              </a:ext>
-            </a:extLst>
-          </p:cNvPr>
-          <p:cNvSpPr txBox="1"/>
-          <p:nvPr/>
-        </p:nvSpPr>
-        <p:spPr>
-          <a:xfrm>
-            <a:off x="306917" y="2497387"/>
-            <a:ext cx="1124438" cy="307777"/>
-          </a:xfrm>
-          <a:prstGeom prst="rect">
-            <a:avLst/>
-          </a:prstGeom>
-          <a:noFill/>
-        </p:spPr>
-        <p:txBody>
-          <a:bodyPr wrap="square" rtlCol="0">
-            <a:spAutoFit/>
-          </a:bodyPr>
-          <a:lstStyle/>
-          <a:p>
-            <a:r>
-              <a:rPr lang="en-CA" sz="1400" dirty="0">
-                <a:solidFill>
-                  <a:schemeClr val="bg1"/>
-                </a:solidFill>
-                <a:latin typeface="Bahnschrift SemiBold SemiConden" panose="020B0502040204020203" pitchFamily="34" charset="0"/>
-                <a:cs typeface="Arial" panose="020B0604020202020204" pitchFamily="34" charset="0"/>
-              </a:rPr>
-              <a:t>NET IMPORT</a:t>
+              <a:t>Import</a:t>
             </a:r>
           </a:p>
         </p:txBody>
@@ -3561,7 +3349,7 @@
         </p:nvSpPr>
         <p:spPr>
           <a:xfrm>
-            <a:off x="1653200" y="2396068"/>
+            <a:off x="2723970" y="2396069"/>
             <a:ext cx="1022267" cy="156633"/>
           </a:xfrm>
           <a:prstGeom prst="rect">
@@ -3613,7 +3401,7 @@
         </p:nvSpPr>
         <p:spPr>
           <a:xfrm>
-            <a:off x="1615100" y="2376394"/>
+            <a:off x="2685870" y="2376394"/>
             <a:ext cx="1403267" cy="230832"/>
           </a:xfrm>
           <a:prstGeom prst="rect">
@@ -3648,7 +3436,7 @@
         </p:nvSpPr>
         <p:spPr>
           <a:xfrm>
-            <a:off x="1805600" y="2587551"/>
+            <a:off x="2876370" y="2587552"/>
             <a:ext cx="1403267" cy="584775"/>
           </a:xfrm>
           <a:prstGeom prst="rect">
@@ -3709,7 +3497,7 @@
         </p:blipFill>
         <p:spPr>
           <a:xfrm>
-            <a:off x="1551354" y="3965916"/>
+            <a:off x="2622123" y="3965917"/>
             <a:ext cx="4802554" cy="2278249"/>
           </a:xfrm>
           <a:prstGeom prst="rect">
@@ -3731,7 +3519,7 @@
         </p:nvSpPr>
         <p:spPr>
           <a:xfrm rot="16200000">
-            <a:off x="708431" y="4914065"/>
+            <a:off x="1779200" y="4914066"/>
             <a:ext cx="2041940" cy="276999"/>
           </a:xfrm>
           <a:prstGeom prst="rect">
@@ -3770,7 +3558,7 @@
         </p:nvSpPr>
         <p:spPr>
           <a:xfrm>
-            <a:off x="1562101" y="6000713"/>
+            <a:off x="2632870" y="6000714"/>
             <a:ext cx="4779108" cy="276999"/>
           </a:xfrm>
           <a:prstGeom prst="rect">
@@ -3809,7 +3597,7 @@
         </p:nvSpPr>
         <p:spPr>
           <a:xfrm>
-            <a:off x="1568286" y="3987427"/>
+            <a:off x="2639056" y="3987428"/>
             <a:ext cx="4735147" cy="276999"/>
           </a:xfrm>
           <a:prstGeom prst="rect">
@@ -3854,7 +3642,7 @@
         </p:nvSpPr>
         <p:spPr>
           <a:xfrm>
-            <a:off x="3465958" y="3604596"/>
+            <a:off x="4536727" y="3604597"/>
             <a:ext cx="736600" cy="307777"/>
           </a:xfrm>
           <a:prstGeom prst="rect">
@@ -3928,7 +3716,7 @@
         </p:blipFill>
         <p:spPr>
           <a:xfrm>
-            <a:off x="188676" y="6634992"/>
+            <a:off x="1259446" y="6634993"/>
             <a:ext cx="3113197" cy="2231423"/>
           </a:xfrm>
           <a:prstGeom prst="rect">
@@ -3961,7 +3749,7 @@
         </p:blipFill>
         <p:spPr>
           <a:xfrm>
-            <a:off x="3570942" y="6635357"/>
+            <a:off x="4641712" y="6635357"/>
             <a:ext cx="3100791" cy="2231058"/>
           </a:xfrm>
           <a:prstGeom prst="rect">
@@ -3983,7 +3771,7 @@
         </p:nvSpPr>
         <p:spPr>
           <a:xfrm>
-            <a:off x="153094" y="8700610"/>
+            <a:off x="1223863" y="8700611"/>
             <a:ext cx="3138990" cy="276999"/>
           </a:xfrm>
           <a:prstGeom prst="rect">
@@ -4023,7 +3811,7 @@
         </p:nvSpPr>
         <p:spPr>
           <a:xfrm>
-            <a:off x="3487187" y="8700609"/>
+            <a:off x="4557956" y="8700610"/>
             <a:ext cx="3176074" cy="276999"/>
           </a:xfrm>
           <a:prstGeom prst="rect">
@@ -4065,7 +3853,7 @@
         </p:nvCxnSpPr>
         <p:spPr>
           <a:xfrm>
-            <a:off x="4333875" y="7064375"/>
+            <a:off x="5404644" y="7064376"/>
             <a:ext cx="0" cy="1539875"/>
           </a:xfrm>
           <a:prstGeom prst="line">
@@ -4110,7 +3898,7 @@
         </p:nvCxnSpPr>
         <p:spPr>
           <a:xfrm>
-            <a:off x="1009650" y="7289800"/>
+            <a:off x="2080419" y="7289800"/>
             <a:ext cx="0" cy="1339850"/>
           </a:xfrm>
           <a:prstGeom prst="line">
@@ -4141,10 +3929,181 @@
       </p:cxnSp>
       <p:sp>
         <p:nvSpPr>
-          <p:cNvPr id="44" name="Freeform: Shape 43">
+          <p:cNvPr id="46" name="TextBox 45">
             <a:extLst>
               <a:ext uri="{FF2B5EF4-FFF2-40B4-BE49-F238E27FC236}">
-                <a16:creationId xmlns:a16="http://schemas.microsoft.com/office/drawing/2014/main" id="{58DA4C8C-1387-489A-B4FE-5509FF3D2AA2}"/>
+                <a16:creationId xmlns:a16="http://schemas.microsoft.com/office/drawing/2014/main" id="{55ED8913-2215-4EC1-8D14-A9FD0753E63B}"/>
+              </a:ext>
+            </a:extLst>
+          </p:cNvPr>
+          <p:cNvSpPr txBox="1"/>
+          <p:nvPr/>
+        </p:nvSpPr>
+        <p:spPr>
+          <a:xfrm>
+            <a:off x="4641711" y="6668905"/>
+            <a:ext cx="3014004" cy="276999"/>
+          </a:xfrm>
+          <a:prstGeom prst="rect">
+            <a:avLst/>
+          </a:prstGeom>
+          <a:solidFill>
+            <a:schemeClr val="bg1"/>
+          </a:solidFill>
+        </p:spPr>
+        <p:txBody>
+          <a:bodyPr wrap="square" rtlCol="0">
+            <a:spAutoFit/>
+          </a:bodyPr>
+          <a:lstStyle/>
+          <a:p>
+            <a:r>
+              <a:rPr lang="en-CA" sz="1200" dirty="0">
+                <a:latin typeface="Bahnschrift SemiBold SemiConden" panose="020B0502040204020203" pitchFamily="34" charset="0"/>
+              </a:rPr>
+              <a:t>		USA Weapons Import</a:t>
+            </a:r>
+            <a:endParaRPr lang="en-CA" sz="900" dirty="0">
+              <a:latin typeface="Bahnschrift SemiBold SemiConden" panose="020B0502040204020203" pitchFamily="34" charset="0"/>
+            </a:endParaRPr>
+          </a:p>
+        </p:txBody>
+      </p:sp>
+      <p:sp>
+        <p:nvSpPr>
+          <p:cNvPr id="47" name="TextBox 46">
+            <a:extLst>
+              <a:ext uri="{FF2B5EF4-FFF2-40B4-BE49-F238E27FC236}">
+                <a16:creationId xmlns:a16="http://schemas.microsoft.com/office/drawing/2014/main" id="{D27A496D-EBF1-4F1E-A4D1-D67F566E5B27}"/>
+              </a:ext>
+            </a:extLst>
+          </p:cNvPr>
+          <p:cNvSpPr txBox="1"/>
+          <p:nvPr/>
+        </p:nvSpPr>
+        <p:spPr>
+          <a:xfrm>
+            <a:off x="1295136" y="6668905"/>
+            <a:ext cx="3030008" cy="276999"/>
+          </a:xfrm>
+          <a:prstGeom prst="rect">
+            <a:avLst/>
+          </a:prstGeom>
+          <a:solidFill>
+            <a:schemeClr val="bg1"/>
+          </a:solidFill>
+        </p:spPr>
+        <p:txBody>
+          <a:bodyPr wrap="square" rtlCol="0">
+            <a:spAutoFit/>
+          </a:bodyPr>
+          <a:lstStyle/>
+          <a:p>
+            <a:pPr algn="ctr"/>
+            <a:r>
+              <a:rPr lang="en-CA" sz="1200" dirty="0">
+                <a:latin typeface="Bahnschrift SemiBold SemiConden" panose="020B0502040204020203" pitchFamily="34" charset="0"/>
+              </a:rPr>
+              <a:t>USA Weapons Import share in GDP</a:t>
+            </a:r>
+            <a:endParaRPr lang="en-CA" sz="900" dirty="0">
+              <a:latin typeface="Bahnschrift SemiBold SemiConden" panose="020B0502040204020203" pitchFamily="34" charset="0"/>
+            </a:endParaRPr>
+          </a:p>
+        </p:txBody>
+      </p:sp>
+      <p:sp>
+        <p:nvSpPr>
+          <p:cNvPr id="48" name="TextBox 47">
+            <a:extLst>
+              <a:ext uri="{FF2B5EF4-FFF2-40B4-BE49-F238E27FC236}">
+                <a16:creationId xmlns:a16="http://schemas.microsoft.com/office/drawing/2014/main" id="{147A08F0-AAD4-4692-9696-10F2FA2471A5}"/>
+              </a:ext>
+            </a:extLst>
+          </p:cNvPr>
+          <p:cNvSpPr txBox="1"/>
+          <p:nvPr/>
+        </p:nvSpPr>
+        <p:spPr>
+          <a:xfrm rot="16200000">
+            <a:off x="208010" y="7665708"/>
+            <a:ext cx="2308706" cy="276999"/>
+          </a:xfrm>
+          <a:prstGeom prst="rect">
+            <a:avLst/>
+          </a:prstGeom>
+          <a:solidFill>
+            <a:schemeClr val="bg1"/>
+          </a:solidFill>
+        </p:spPr>
+        <p:txBody>
+          <a:bodyPr wrap="square" rtlCol="0">
+            <a:spAutoFit/>
+          </a:bodyPr>
+          <a:lstStyle/>
+          <a:p>
+            <a:pPr algn="ctr"/>
+            <a:r>
+              <a:rPr lang="en-CA" sz="1200" dirty="0">
+                <a:latin typeface="Bahnschrift SemiBold SemiConden" panose="020B0502040204020203" pitchFamily="34" charset="0"/>
+              </a:rPr>
+              <a:t>GDP%</a:t>
+            </a:r>
+            <a:endParaRPr lang="en-CA" sz="900" dirty="0">
+              <a:latin typeface="Bahnschrift SemiBold SemiConden" panose="020B0502040204020203" pitchFamily="34" charset="0"/>
+            </a:endParaRPr>
+          </a:p>
+        </p:txBody>
+      </p:sp>
+      <p:sp>
+        <p:nvSpPr>
+          <p:cNvPr id="49" name="TextBox 48">
+            <a:extLst>
+              <a:ext uri="{FF2B5EF4-FFF2-40B4-BE49-F238E27FC236}">
+                <a16:creationId xmlns:a16="http://schemas.microsoft.com/office/drawing/2014/main" id="{E24420D0-D47F-4898-B598-9130FAA058F1}"/>
+              </a:ext>
+            </a:extLst>
+          </p:cNvPr>
+          <p:cNvSpPr txBox="1"/>
+          <p:nvPr/>
+        </p:nvSpPr>
+        <p:spPr>
+          <a:xfrm rot="16200000">
+            <a:off x="3542102" y="7662533"/>
+            <a:ext cx="2308706" cy="276999"/>
+          </a:xfrm>
+          <a:prstGeom prst="rect">
+            <a:avLst/>
+          </a:prstGeom>
+          <a:solidFill>
+            <a:schemeClr val="bg1"/>
+          </a:solidFill>
+        </p:spPr>
+        <p:txBody>
+          <a:bodyPr wrap="square" rtlCol="0">
+            <a:spAutoFit/>
+          </a:bodyPr>
+          <a:lstStyle/>
+          <a:p>
+            <a:pPr algn="ctr"/>
+            <a:r>
+              <a:rPr lang="en-CA" sz="1200" dirty="0">
+                <a:latin typeface="Bahnschrift SemiBold SemiConden" panose="020B0502040204020203" pitchFamily="34" charset="0"/>
+              </a:rPr>
+              <a:t>USD</a:t>
+            </a:r>
+            <a:endParaRPr lang="en-CA" sz="900" dirty="0">
+              <a:latin typeface="Bahnschrift SemiBold SemiConden" panose="020B0502040204020203" pitchFamily="34" charset="0"/>
+            </a:endParaRPr>
+          </a:p>
+        </p:txBody>
+      </p:sp>
+      <p:sp>
+        <p:nvSpPr>
+          <p:cNvPr id="53" name="Speech Bubble: Rectangle with Corners Rounded 52">
+            <a:extLst>
+              <a:ext uri="{FF2B5EF4-FFF2-40B4-BE49-F238E27FC236}">
+                <a16:creationId xmlns:a16="http://schemas.microsoft.com/office/drawing/2014/main" id="{CD880294-62AC-4547-B01C-2A51D8EE0E92}"/>
               </a:ext>
             </a:extLst>
           </p:cNvPr>
@@ -4152,952 +4111,23 @@
           <p:nvPr/>
         </p:nvSpPr>
         <p:spPr>
-          <a:xfrm>
-            <a:off x="2494381" y="1333409"/>
-            <a:ext cx="766344" cy="365292"/>
-          </a:xfrm>
-          <a:custGeom>
-            <a:avLst/>
-            <a:gdLst>
-              <a:gd name="connsiteX0" fmla="*/ 67844 w 766344"/>
-              <a:gd name="connsiteY0" fmla="*/ 19141 h 365292"/>
-              <a:gd name="connsiteX1" fmla="*/ 58319 w 766344"/>
-              <a:gd name="connsiteY1" fmla="*/ 54066 h 365292"/>
-              <a:gd name="connsiteX2" fmla="*/ 48794 w 766344"/>
-              <a:gd name="connsiteY2" fmla="*/ 60416 h 365292"/>
-              <a:gd name="connsiteX3" fmla="*/ 32919 w 766344"/>
-              <a:gd name="connsiteY3" fmla="*/ 88991 h 365292"/>
-              <a:gd name="connsiteX4" fmla="*/ 17044 w 766344"/>
-              <a:gd name="connsiteY4" fmla="*/ 111216 h 365292"/>
-              <a:gd name="connsiteX5" fmla="*/ 7519 w 766344"/>
-              <a:gd name="connsiteY5" fmla="*/ 120741 h 365292"/>
-              <a:gd name="connsiteX6" fmla="*/ 4344 w 766344"/>
-              <a:gd name="connsiteY6" fmla="*/ 177891 h 365292"/>
-              <a:gd name="connsiteX7" fmla="*/ 10694 w 766344"/>
-              <a:gd name="connsiteY7" fmla="*/ 190591 h 365292"/>
-              <a:gd name="connsiteX8" fmla="*/ 13869 w 766344"/>
-              <a:gd name="connsiteY8" fmla="*/ 200116 h 365292"/>
-              <a:gd name="connsiteX9" fmla="*/ 20219 w 766344"/>
-              <a:gd name="connsiteY9" fmla="*/ 215991 h 365292"/>
-              <a:gd name="connsiteX10" fmla="*/ 23394 w 766344"/>
-              <a:gd name="connsiteY10" fmla="*/ 225516 h 365292"/>
-              <a:gd name="connsiteX11" fmla="*/ 29744 w 766344"/>
-              <a:gd name="connsiteY11" fmla="*/ 241391 h 365292"/>
-              <a:gd name="connsiteX12" fmla="*/ 42444 w 766344"/>
-              <a:gd name="connsiteY12" fmla="*/ 263616 h 365292"/>
-              <a:gd name="connsiteX13" fmla="*/ 71019 w 766344"/>
-              <a:gd name="connsiteY13" fmla="*/ 276316 h 365292"/>
-              <a:gd name="connsiteX14" fmla="*/ 96419 w 766344"/>
-              <a:gd name="connsiteY14" fmla="*/ 282666 h 365292"/>
-              <a:gd name="connsiteX15" fmla="*/ 105944 w 766344"/>
-              <a:gd name="connsiteY15" fmla="*/ 285841 h 365292"/>
-              <a:gd name="connsiteX16" fmla="*/ 121819 w 766344"/>
-              <a:gd name="connsiteY16" fmla="*/ 289016 h 365292"/>
-              <a:gd name="connsiteX17" fmla="*/ 140869 w 766344"/>
-              <a:gd name="connsiteY17" fmla="*/ 279491 h 365292"/>
-              <a:gd name="connsiteX18" fmla="*/ 150394 w 766344"/>
-              <a:gd name="connsiteY18" fmla="*/ 269966 h 365292"/>
-              <a:gd name="connsiteX19" fmla="*/ 166269 w 766344"/>
-              <a:gd name="connsiteY19" fmla="*/ 273141 h 365292"/>
-              <a:gd name="connsiteX20" fmla="*/ 175794 w 766344"/>
-              <a:gd name="connsiteY20" fmla="*/ 285841 h 365292"/>
-              <a:gd name="connsiteX21" fmla="*/ 194844 w 766344"/>
-              <a:gd name="connsiteY21" fmla="*/ 295366 h 365292"/>
-              <a:gd name="connsiteX22" fmla="*/ 213894 w 766344"/>
-              <a:gd name="connsiteY22" fmla="*/ 311241 h 365292"/>
-              <a:gd name="connsiteX23" fmla="*/ 223419 w 766344"/>
-              <a:gd name="connsiteY23" fmla="*/ 314416 h 365292"/>
-              <a:gd name="connsiteX24" fmla="*/ 236119 w 766344"/>
-              <a:gd name="connsiteY24" fmla="*/ 327116 h 365292"/>
-              <a:gd name="connsiteX25" fmla="*/ 248819 w 766344"/>
-              <a:gd name="connsiteY25" fmla="*/ 346166 h 365292"/>
-              <a:gd name="connsiteX26" fmla="*/ 267869 w 766344"/>
-              <a:gd name="connsiteY26" fmla="*/ 362041 h 365292"/>
-              <a:gd name="connsiteX27" fmla="*/ 293269 w 766344"/>
-              <a:gd name="connsiteY27" fmla="*/ 333466 h 365292"/>
-              <a:gd name="connsiteX28" fmla="*/ 302794 w 766344"/>
-              <a:gd name="connsiteY28" fmla="*/ 323941 h 365292"/>
-              <a:gd name="connsiteX29" fmla="*/ 315494 w 766344"/>
-              <a:gd name="connsiteY29" fmla="*/ 320766 h 365292"/>
-              <a:gd name="connsiteX30" fmla="*/ 340894 w 766344"/>
-              <a:gd name="connsiteY30" fmla="*/ 311241 h 365292"/>
-              <a:gd name="connsiteX31" fmla="*/ 350419 w 766344"/>
-              <a:gd name="connsiteY31" fmla="*/ 304891 h 365292"/>
-              <a:gd name="connsiteX32" fmla="*/ 369469 w 766344"/>
-              <a:gd name="connsiteY32" fmla="*/ 301716 h 365292"/>
-              <a:gd name="connsiteX33" fmla="*/ 385344 w 766344"/>
-              <a:gd name="connsiteY33" fmla="*/ 295366 h 365292"/>
-              <a:gd name="connsiteX34" fmla="*/ 455194 w 766344"/>
-              <a:gd name="connsiteY34" fmla="*/ 298541 h 365292"/>
-              <a:gd name="connsiteX35" fmla="*/ 458369 w 766344"/>
-              <a:gd name="connsiteY35" fmla="*/ 308066 h 365292"/>
-              <a:gd name="connsiteX36" fmla="*/ 467894 w 766344"/>
-              <a:gd name="connsiteY36" fmla="*/ 317591 h 365292"/>
-              <a:gd name="connsiteX37" fmla="*/ 477419 w 766344"/>
-              <a:gd name="connsiteY37" fmla="*/ 352516 h 365292"/>
-              <a:gd name="connsiteX38" fmla="*/ 471069 w 766344"/>
-              <a:gd name="connsiteY38" fmla="*/ 349341 h 365292"/>
-              <a:gd name="connsiteX39" fmla="*/ 461544 w 766344"/>
-              <a:gd name="connsiteY39" fmla="*/ 330291 h 365292"/>
-              <a:gd name="connsiteX40" fmla="*/ 471069 w 766344"/>
-              <a:gd name="connsiteY40" fmla="*/ 301716 h 365292"/>
-              <a:gd name="connsiteX41" fmla="*/ 490119 w 766344"/>
-              <a:gd name="connsiteY41" fmla="*/ 295366 h 365292"/>
-              <a:gd name="connsiteX42" fmla="*/ 502819 w 766344"/>
-              <a:gd name="connsiteY42" fmla="*/ 289016 h 365292"/>
-              <a:gd name="connsiteX43" fmla="*/ 515519 w 766344"/>
-              <a:gd name="connsiteY43" fmla="*/ 266791 h 365292"/>
-              <a:gd name="connsiteX44" fmla="*/ 521869 w 766344"/>
-              <a:gd name="connsiteY44" fmla="*/ 257266 h 365292"/>
-              <a:gd name="connsiteX45" fmla="*/ 525044 w 766344"/>
-              <a:gd name="connsiteY45" fmla="*/ 247741 h 365292"/>
-              <a:gd name="connsiteX46" fmla="*/ 534569 w 766344"/>
-              <a:gd name="connsiteY46" fmla="*/ 244566 h 365292"/>
-              <a:gd name="connsiteX47" fmla="*/ 544094 w 766344"/>
-              <a:gd name="connsiteY47" fmla="*/ 235041 h 365292"/>
-              <a:gd name="connsiteX48" fmla="*/ 547269 w 766344"/>
-              <a:gd name="connsiteY48" fmla="*/ 225516 h 365292"/>
-              <a:gd name="connsiteX49" fmla="*/ 575844 w 766344"/>
-              <a:gd name="connsiteY49" fmla="*/ 203291 h 365292"/>
-              <a:gd name="connsiteX50" fmla="*/ 585369 w 766344"/>
-              <a:gd name="connsiteY50" fmla="*/ 193766 h 365292"/>
-              <a:gd name="connsiteX51" fmla="*/ 594894 w 766344"/>
-              <a:gd name="connsiteY51" fmla="*/ 190591 h 365292"/>
-              <a:gd name="connsiteX52" fmla="*/ 604419 w 766344"/>
-              <a:gd name="connsiteY52" fmla="*/ 184241 h 365292"/>
-              <a:gd name="connsiteX53" fmla="*/ 613944 w 766344"/>
-              <a:gd name="connsiteY53" fmla="*/ 181066 h 365292"/>
-              <a:gd name="connsiteX54" fmla="*/ 632994 w 766344"/>
-              <a:gd name="connsiteY54" fmla="*/ 168366 h 365292"/>
-              <a:gd name="connsiteX55" fmla="*/ 645694 w 766344"/>
-              <a:gd name="connsiteY55" fmla="*/ 139791 h 365292"/>
-              <a:gd name="connsiteX56" fmla="*/ 658394 w 766344"/>
-              <a:gd name="connsiteY56" fmla="*/ 130266 h 365292"/>
-              <a:gd name="connsiteX57" fmla="*/ 677444 w 766344"/>
-              <a:gd name="connsiteY57" fmla="*/ 117566 h 365292"/>
-              <a:gd name="connsiteX58" fmla="*/ 680619 w 766344"/>
-              <a:gd name="connsiteY58" fmla="*/ 108041 h 365292"/>
-              <a:gd name="connsiteX59" fmla="*/ 766344 w 766344"/>
-              <a:gd name="connsiteY59" fmla="*/ 98516 h 365292"/>
-              <a:gd name="connsiteX60" fmla="*/ 753644 w 766344"/>
-              <a:gd name="connsiteY60" fmla="*/ 88991 h 365292"/>
-              <a:gd name="connsiteX61" fmla="*/ 747294 w 766344"/>
-              <a:gd name="connsiteY61" fmla="*/ 69941 h 365292"/>
-              <a:gd name="connsiteX62" fmla="*/ 740944 w 766344"/>
-              <a:gd name="connsiteY62" fmla="*/ 57241 h 365292"/>
-              <a:gd name="connsiteX63" fmla="*/ 718719 w 766344"/>
-              <a:gd name="connsiteY63" fmla="*/ 63591 h 365292"/>
-              <a:gd name="connsiteX64" fmla="*/ 699669 w 766344"/>
-              <a:gd name="connsiteY64" fmla="*/ 76291 h 365292"/>
-              <a:gd name="connsiteX65" fmla="*/ 686969 w 766344"/>
-              <a:gd name="connsiteY65" fmla="*/ 88991 h 365292"/>
-              <a:gd name="connsiteX66" fmla="*/ 683794 w 766344"/>
-              <a:gd name="connsiteY66" fmla="*/ 98516 h 365292"/>
-              <a:gd name="connsiteX67" fmla="*/ 674269 w 766344"/>
-              <a:gd name="connsiteY67" fmla="*/ 104866 h 365292"/>
-              <a:gd name="connsiteX68" fmla="*/ 655219 w 766344"/>
-              <a:gd name="connsiteY68" fmla="*/ 117566 h 365292"/>
-              <a:gd name="connsiteX69" fmla="*/ 645694 w 766344"/>
-              <a:gd name="connsiteY69" fmla="*/ 127091 h 365292"/>
-              <a:gd name="connsiteX70" fmla="*/ 588544 w 766344"/>
-              <a:gd name="connsiteY70" fmla="*/ 120741 h 365292"/>
-              <a:gd name="connsiteX71" fmla="*/ 572669 w 766344"/>
-              <a:gd name="connsiteY71" fmla="*/ 114391 h 365292"/>
-              <a:gd name="connsiteX72" fmla="*/ 563144 w 766344"/>
-              <a:gd name="connsiteY72" fmla="*/ 111216 h 365292"/>
-              <a:gd name="connsiteX73" fmla="*/ 556794 w 766344"/>
-              <a:gd name="connsiteY73" fmla="*/ 101691 h 365292"/>
-              <a:gd name="connsiteX74" fmla="*/ 547269 w 766344"/>
-              <a:gd name="connsiteY74" fmla="*/ 92166 h 365292"/>
-              <a:gd name="connsiteX75" fmla="*/ 531394 w 766344"/>
-              <a:gd name="connsiteY75" fmla="*/ 69941 h 365292"/>
-              <a:gd name="connsiteX76" fmla="*/ 528219 w 766344"/>
-              <a:gd name="connsiteY76" fmla="*/ 60416 h 365292"/>
-              <a:gd name="connsiteX77" fmla="*/ 518694 w 766344"/>
-              <a:gd name="connsiteY77" fmla="*/ 57241 h 365292"/>
-              <a:gd name="connsiteX78" fmla="*/ 505994 w 766344"/>
-              <a:gd name="connsiteY78" fmla="*/ 38191 h 365292"/>
-              <a:gd name="connsiteX79" fmla="*/ 499644 w 766344"/>
-              <a:gd name="connsiteY79" fmla="*/ 28666 h 365292"/>
-              <a:gd name="connsiteX80" fmla="*/ 464719 w 766344"/>
-              <a:gd name="connsiteY80" fmla="*/ 9616 h 365292"/>
-              <a:gd name="connsiteX81" fmla="*/ 394869 w 766344"/>
-              <a:gd name="connsiteY81" fmla="*/ 12791 h 365292"/>
-              <a:gd name="connsiteX82" fmla="*/ 388519 w 766344"/>
-              <a:gd name="connsiteY82" fmla="*/ 22316 h 365292"/>
-              <a:gd name="connsiteX83" fmla="*/ 378994 w 766344"/>
-              <a:gd name="connsiteY83" fmla="*/ 28666 h 365292"/>
-              <a:gd name="connsiteX84" fmla="*/ 312319 w 766344"/>
-              <a:gd name="connsiteY84" fmla="*/ 25491 h 365292"/>
-              <a:gd name="connsiteX85" fmla="*/ 290094 w 766344"/>
-              <a:gd name="connsiteY85" fmla="*/ 15966 h 365292"/>
-              <a:gd name="connsiteX86" fmla="*/ 185319 w 766344"/>
-              <a:gd name="connsiteY86" fmla="*/ 9616 h 365292"/>
-              <a:gd name="connsiteX87" fmla="*/ 153569 w 766344"/>
-              <a:gd name="connsiteY87" fmla="*/ 6441 h 365292"/>
-              <a:gd name="connsiteX88" fmla="*/ 137694 w 766344"/>
-              <a:gd name="connsiteY88" fmla="*/ 91 h 365292"/>
-              <a:gd name="connsiteX89" fmla="*/ 90069 w 766344"/>
-              <a:gd name="connsiteY89" fmla="*/ 6441 h 365292"/>
-              <a:gd name="connsiteX90" fmla="*/ 71019 w 766344"/>
-              <a:gd name="connsiteY90" fmla="*/ 15966 h 365292"/>
-              <a:gd name="connsiteX91" fmla="*/ 67844 w 766344"/>
-              <a:gd name="connsiteY91" fmla="*/ 25491 h 365292"/>
-              <a:gd name="connsiteX92" fmla="*/ 67844 w 766344"/>
-              <a:gd name="connsiteY92" fmla="*/ 19141 h 365292"/>
-            </a:gdLst>
-            <a:ahLst/>
-            <a:cxnLst>
-              <a:cxn ang="0">
-                <a:pos x="connsiteX0" y="connsiteY0"/>
-              </a:cxn>
-              <a:cxn ang="0">
-                <a:pos x="connsiteX1" y="connsiteY1"/>
-              </a:cxn>
-              <a:cxn ang="0">
-                <a:pos x="connsiteX2" y="connsiteY2"/>
-              </a:cxn>
-              <a:cxn ang="0">
-                <a:pos x="connsiteX3" y="connsiteY3"/>
-              </a:cxn>
-              <a:cxn ang="0">
-                <a:pos x="connsiteX4" y="connsiteY4"/>
-              </a:cxn>
-              <a:cxn ang="0">
-                <a:pos x="connsiteX5" y="connsiteY5"/>
-              </a:cxn>
-              <a:cxn ang="0">
-                <a:pos x="connsiteX6" y="connsiteY6"/>
-              </a:cxn>
-              <a:cxn ang="0">
-                <a:pos x="connsiteX7" y="connsiteY7"/>
-              </a:cxn>
-              <a:cxn ang="0">
-                <a:pos x="connsiteX8" y="connsiteY8"/>
-              </a:cxn>
-              <a:cxn ang="0">
-                <a:pos x="connsiteX9" y="connsiteY9"/>
-              </a:cxn>
-              <a:cxn ang="0">
-                <a:pos x="connsiteX10" y="connsiteY10"/>
-              </a:cxn>
-              <a:cxn ang="0">
-                <a:pos x="connsiteX11" y="connsiteY11"/>
-              </a:cxn>
-              <a:cxn ang="0">
-                <a:pos x="connsiteX12" y="connsiteY12"/>
-              </a:cxn>
-              <a:cxn ang="0">
-                <a:pos x="connsiteX13" y="connsiteY13"/>
-              </a:cxn>
-              <a:cxn ang="0">
-                <a:pos x="connsiteX14" y="connsiteY14"/>
-              </a:cxn>
-              <a:cxn ang="0">
-                <a:pos x="connsiteX15" y="connsiteY15"/>
-              </a:cxn>
-              <a:cxn ang="0">
-                <a:pos x="connsiteX16" y="connsiteY16"/>
-              </a:cxn>
-              <a:cxn ang="0">
-                <a:pos x="connsiteX17" y="connsiteY17"/>
-              </a:cxn>
-              <a:cxn ang="0">
-                <a:pos x="connsiteX18" y="connsiteY18"/>
-              </a:cxn>
-              <a:cxn ang="0">
-                <a:pos x="connsiteX19" y="connsiteY19"/>
-              </a:cxn>
-              <a:cxn ang="0">
-                <a:pos x="connsiteX20" y="connsiteY20"/>
-              </a:cxn>
-              <a:cxn ang="0">
-                <a:pos x="connsiteX21" y="connsiteY21"/>
-              </a:cxn>
-              <a:cxn ang="0">
-                <a:pos x="connsiteX22" y="connsiteY22"/>
-              </a:cxn>
-              <a:cxn ang="0">
-                <a:pos x="connsiteX23" y="connsiteY23"/>
-              </a:cxn>
-              <a:cxn ang="0">
-                <a:pos x="connsiteX24" y="connsiteY24"/>
-              </a:cxn>
-              <a:cxn ang="0">
-                <a:pos x="connsiteX25" y="connsiteY25"/>
-              </a:cxn>
-              <a:cxn ang="0">
-                <a:pos x="connsiteX26" y="connsiteY26"/>
-              </a:cxn>
-              <a:cxn ang="0">
-                <a:pos x="connsiteX27" y="connsiteY27"/>
-              </a:cxn>
-              <a:cxn ang="0">
-                <a:pos x="connsiteX28" y="connsiteY28"/>
-              </a:cxn>
-              <a:cxn ang="0">
-                <a:pos x="connsiteX29" y="connsiteY29"/>
-              </a:cxn>
-              <a:cxn ang="0">
-                <a:pos x="connsiteX30" y="connsiteY30"/>
-              </a:cxn>
-              <a:cxn ang="0">
-                <a:pos x="connsiteX31" y="connsiteY31"/>
-              </a:cxn>
-              <a:cxn ang="0">
-                <a:pos x="connsiteX32" y="connsiteY32"/>
-              </a:cxn>
-              <a:cxn ang="0">
-                <a:pos x="connsiteX33" y="connsiteY33"/>
-              </a:cxn>
-              <a:cxn ang="0">
-                <a:pos x="connsiteX34" y="connsiteY34"/>
-              </a:cxn>
-              <a:cxn ang="0">
-                <a:pos x="connsiteX35" y="connsiteY35"/>
-              </a:cxn>
-              <a:cxn ang="0">
-                <a:pos x="connsiteX36" y="connsiteY36"/>
-              </a:cxn>
-              <a:cxn ang="0">
-                <a:pos x="connsiteX37" y="connsiteY37"/>
-              </a:cxn>
-              <a:cxn ang="0">
-                <a:pos x="connsiteX38" y="connsiteY38"/>
-              </a:cxn>
-              <a:cxn ang="0">
-                <a:pos x="connsiteX39" y="connsiteY39"/>
-              </a:cxn>
-              <a:cxn ang="0">
-                <a:pos x="connsiteX40" y="connsiteY40"/>
-              </a:cxn>
-              <a:cxn ang="0">
-                <a:pos x="connsiteX41" y="connsiteY41"/>
-              </a:cxn>
-              <a:cxn ang="0">
-                <a:pos x="connsiteX42" y="connsiteY42"/>
-              </a:cxn>
-              <a:cxn ang="0">
-                <a:pos x="connsiteX43" y="connsiteY43"/>
-              </a:cxn>
-              <a:cxn ang="0">
-                <a:pos x="connsiteX44" y="connsiteY44"/>
-              </a:cxn>
-              <a:cxn ang="0">
-                <a:pos x="connsiteX45" y="connsiteY45"/>
-              </a:cxn>
-              <a:cxn ang="0">
-                <a:pos x="connsiteX46" y="connsiteY46"/>
-              </a:cxn>
-              <a:cxn ang="0">
-                <a:pos x="connsiteX47" y="connsiteY47"/>
-              </a:cxn>
-              <a:cxn ang="0">
-                <a:pos x="connsiteX48" y="connsiteY48"/>
-              </a:cxn>
-              <a:cxn ang="0">
-                <a:pos x="connsiteX49" y="connsiteY49"/>
-              </a:cxn>
-              <a:cxn ang="0">
-                <a:pos x="connsiteX50" y="connsiteY50"/>
-              </a:cxn>
-              <a:cxn ang="0">
-                <a:pos x="connsiteX51" y="connsiteY51"/>
-              </a:cxn>
-              <a:cxn ang="0">
-                <a:pos x="connsiteX52" y="connsiteY52"/>
-              </a:cxn>
-              <a:cxn ang="0">
-                <a:pos x="connsiteX53" y="connsiteY53"/>
-              </a:cxn>
-              <a:cxn ang="0">
-                <a:pos x="connsiteX54" y="connsiteY54"/>
-              </a:cxn>
-              <a:cxn ang="0">
-                <a:pos x="connsiteX55" y="connsiteY55"/>
-              </a:cxn>
-              <a:cxn ang="0">
-                <a:pos x="connsiteX56" y="connsiteY56"/>
-              </a:cxn>
-              <a:cxn ang="0">
-                <a:pos x="connsiteX57" y="connsiteY57"/>
-              </a:cxn>
-              <a:cxn ang="0">
-                <a:pos x="connsiteX58" y="connsiteY58"/>
-              </a:cxn>
-              <a:cxn ang="0">
-                <a:pos x="connsiteX59" y="connsiteY59"/>
-              </a:cxn>
-              <a:cxn ang="0">
-                <a:pos x="connsiteX60" y="connsiteY60"/>
-              </a:cxn>
-              <a:cxn ang="0">
-                <a:pos x="connsiteX61" y="connsiteY61"/>
-              </a:cxn>
-              <a:cxn ang="0">
-                <a:pos x="connsiteX62" y="connsiteY62"/>
-              </a:cxn>
-              <a:cxn ang="0">
-                <a:pos x="connsiteX63" y="connsiteY63"/>
-              </a:cxn>
-              <a:cxn ang="0">
-                <a:pos x="connsiteX64" y="connsiteY64"/>
-              </a:cxn>
-              <a:cxn ang="0">
-                <a:pos x="connsiteX65" y="connsiteY65"/>
-              </a:cxn>
-              <a:cxn ang="0">
-                <a:pos x="connsiteX66" y="connsiteY66"/>
-              </a:cxn>
-              <a:cxn ang="0">
-                <a:pos x="connsiteX67" y="connsiteY67"/>
-              </a:cxn>
-              <a:cxn ang="0">
-                <a:pos x="connsiteX68" y="connsiteY68"/>
-              </a:cxn>
-              <a:cxn ang="0">
-                <a:pos x="connsiteX69" y="connsiteY69"/>
-              </a:cxn>
-              <a:cxn ang="0">
-                <a:pos x="connsiteX70" y="connsiteY70"/>
-              </a:cxn>
-              <a:cxn ang="0">
-                <a:pos x="connsiteX71" y="connsiteY71"/>
-              </a:cxn>
-              <a:cxn ang="0">
-                <a:pos x="connsiteX72" y="connsiteY72"/>
-              </a:cxn>
-              <a:cxn ang="0">
-                <a:pos x="connsiteX73" y="connsiteY73"/>
-              </a:cxn>
-              <a:cxn ang="0">
-                <a:pos x="connsiteX74" y="connsiteY74"/>
-              </a:cxn>
-              <a:cxn ang="0">
-                <a:pos x="connsiteX75" y="connsiteY75"/>
-              </a:cxn>
-              <a:cxn ang="0">
-                <a:pos x="connsiteX76" y="connsiteY76"/>
-              </a:cxn>
-              <a:cxn ang="0">
-                <a:pos x="connsiteX77" y="connsiteY77"/>
-              </a:cxn>
-              <a:cxn ang="0">
-                <a:pos x="connsiteX78" y="connsiteY78"/>
-              </a:cxn>
-              <a:cxn ang="0">
-                <a:pos x="connsiteX79" y="connsiteY79"/>
-              </a:cxn>
-              <a:cxn ang="0">
-                <a:pos x="connsiteX80" y="connsiteY80"/>
-              </a:cxn>
-              <a:cxn ang="0">
-                <a:pos x="connsiteX81" y="connsiteY81"/>
-              </a:cxn>
-              <a:cxn ang="0">
-                <a:pos x="connsiteX82" y="connsiteY82"/>
-              </a:cxn>
-              <a:cxn ang="0">
-                <a:pos x="connsiteX83" y="connsiteY83"/>
-              </a:cxn>
-              <a:cxn ang="0">
-                <a:pos x="connsiteX84" y="connsiteY84"/>
-              </a:cxn>
-              <a:cxn ang="0">
-                <a:pos x="connsiteX85" y="connsiteY85"/>
-              </a:cxn>
-              <a:cxn ang="0">
-                <a:pos x="connsiteX86" y="connsiteY86"/>
-              </a:cxn>
-              <a:cxn ang="0">
-                <a:pos x="connsiteX87" y="connsiteY87"/>
-              </a:cxn>
-              <a:cxn ang="0">
-                <a:pos x="connsiteX88" y="connsiteY88"/>
-              </a:cxn>
-              <a:cxn ang="0">
-                <a:pos x="connsiteX89" y="connsiteY89"/>
-              </a:cxn>
-              <a:cxn ang="0">
-                <a:pos x="connsiteX90" y="connsiteY90"/>
-              </a:cxn>
-              <a:cxn ang="0">
-                <a:pos x="connsiteX91" y="connsiteY91"/>
-              </a:cxn>
-              <a:cxn ang="0">
-                <a:pos x="connsiteX92" y="connsiteY92"/>
-              </a:cxn>
-            </a:cxnLst>
-            <a:rect l="l" t="t" r="r" b="b"/>
-            <a:pathLst>
-              <a:path w="766344" h="365292">
-                <a:moveTo>
-                  <a:pt x="67844" y="19141"/>
-                </a:moveTo>
-                <a:cubicBezTo>
-                  <a:pt x="66257" y="23903"/>
-                  <a:pt x="64970" y="44755"/>
-                  <a:pt x="58319" y="54066"/>
-                </a:cubicBezTo>
-                <a:cubicBezTo>
-                  <a:pt x="56101" y="57171"/>
-                  <a:pt x="51969" y="58299"/>
-                  <a:pt x="48794" y="60416"/>
-                </a:cubicBezTo>
-                <a:cubicBezTo>
-                  <a:pt x="43206" y="77181"/>
-                  <a:pt x="47475" y="67156"/>
-                  <a:pt x="32919" y="88991"/>
-                </a:cubicBezTo>
-                <a:cubicBezTo>
-                  <a:pt x="27893" y="96529"/>
-                  <a:pt x="22951" y="104324"/>
-                  <a:pt x="17044" y="111216"/>
-                </a:cubicBezTo>
-                <a:cubicBezTo>
-                  <a:pt x="14122" y="114625"/>
-                  <a:pt x="10694" y="117566"/>
-                  <a:pt x="7519" y="120741"/>
-                </a:cubicBezTo>
-                <a:cubicBezTo>
-                  <a:pt x="-1293" y="147178"/>
-                  <a:pt x="-2372" y="142075"/>
-                  <a:pt x="4344" y="177891"/>
-                </a:cubicBezTo>
-                <a:cubicBezTo>
-                  <a:pt x="5216" y="182543"/>
-                  <a:pt x="8830" y="186241"/>
-                  <a:pt x="10694" y="190591"/>
-                </a:cubicBezTo>
-                <a:cubicBezTo>
-                  <a:pt x="12012" y="193667"/>
-                  <a:pt x="12694" y="196982"/>
-                  <a:pt x="13869" y="200116"/>
-                </a:cubicBezTo>
-                <a:cubicBezTo>
-                  <a:pt x="15870" y="205452"/>
-                  <a:pt x="18218" y="210655"/>
-                  <a:pt x="20219" y="215991"/>
-                </a:cubicBezTo>
-                <a:cubicBezTo>
-                  <a:pt x="21394" y="219125"/>
-                  <a:pt x="22219" y="222382"/>
-                  <a:pt x="23394" y="225516"/>
-                </a:cubicBezTo>
-                <a:cubicBezTo>
-                  <a:pt x="25395" y="230852"/>
-                  <a:pt x="27743" y="236055"/>
-                  <a:pt x="29744" y="241391"/>
-                </a:cubicBezTo>
-                <a:cubicBezTo>
-                  <a:pt x="34103" y="253016"/>
-                  <a:pt x="31684" y="252856"/>
-                  <a:pt x="42444" y="263616"/>
-                </a:cubicBezTo>
-                <a:cubicBezTo>
-                  <a:pt x="49394" y="270566"/>
-                  <a:pt x="62635" y="274220"/>
-                  <a:pt x="71019" y="276316"/>
-                </a:cubicBezTo>
-                <a:cubicBezTo>
-                  <a:pt x="79486" y="278433"/>
-                  <a:pt x="87999" y="280370"/>
-                  <a:pt x="96419" y="282666"/>
-                </a:cubicBezTo>
-                <a:cubicBezTo>
-                  <a:pt x="99648" y="283547"/>
-                  <a:pt x="102697" y="285029"/>
-                  <a:pt x="105944" y="285841"/>
-                </a:cubicBezTo>
-                <a:cubicBezTo>
-                  <a:pt x="111179" y="287150"/>
-                  <a:pt x="116527" y="287958"/>
-                  <a:pt x="121819" y="289016"/>
-                </a:cubicBezTo>
-                <a:cubicBezTo>
-                  <a:pt x="128169" y="285841"/>
-                  <a:pt x="134962" y="283429"/>
-                  <a:pt x="140869" y="279491"/>
-                </a:cubicBezTo>
-                <a:cubicBezTo>
-                  <a:pt x="144605" y="277000"/>
-                  <a:pt x="146038" y="271055"/>
-                  <a:pt x="150394" y="269966"/>
-                </a:cubicBezTo>
-                <a:cubicBezTo>
-                  <a:pt x="155629" y="268657"/>
-                  <a:pt x="160977" y="272083"/>
-                  <a:pt x="166269" y="273141"/>
-                </a:cubicBezTo>
-                <a:cubicBezTo>
-                  <a:pt x="169444" y="277374"/>
-                  <a:pt x="172052" y="282099"/>
-                  <a:pt x="175794" y="285841"/>
-                </a:cubicBezTo>
-                <a:cubicBezTo>
-                  <a:pt x="181949" y="291996"/>
-                  <a:pt x="187097" y="292784"/>
-                  <a:pt x="194844" y="295366"/>
-                </a:cubicBezTo>
-                <a:cubicBezTo>
-                  <a:pt x="201866" y="302388"/>
-                  <a:pt x="205053" y="306821"/>
-                  <a:pt x="213894" y="311241"/>
-                </a:cubicBezTo>
-                <a:cubicBezTo>
-                  <a:pt x="216887" y="312738"/>
-                  <a:pt x="220244" y="313358"/>
-                  <a:pt x="223419" y="314416"/>
-                </a:cubicBezTo>
-                <a:cubicBezTo>
-                  <a:pt x="231886" y="339816"/>
-                  <a:pt x="219186" y="310183"/>
-                  <a:pt x="236119" y="327116"/>
-                </a:cubicBezTo>
-                <a:cubicBezTo>
-                  <a:pt x="241515" y="332512"/>
-                  <a:pt x="243423" y="340770"/>
-                  <a:pt x="248819" y="346166"/>
-                </a:cubicBezTo>
-                <a:cubicBezTo>
-                  <a:pt x="261042" y="358389"/>
-                  <a:pt x="254608" y="353200"/>
-                  <a:pt x="267869" y="362041"/>
-                </a:cubicBezTo>
-                <a:cubicBezTo>
-                  <a:pt x="279200" y="345044"/>
-                  <a:pt x="271521" y="355214"/>
-                  <a:pt x="293269" y="333466"/>
-                </a:cubicBezTo>
-                <a:cubicBezTo>
-                  <a:pt x="296444" y="330291"/>
-                  <a:pt x="298438" y="325030"/>
-                  <a:pt x="302794" y="323941"/>
-                </a:cubicBezTo>
-                <a:lnTo>
-                  <a:pt x="315494" y="320766"/>
-                </a:lnTo>
-                <a:cubicBezTo>
-                  <a:pt x="337832" y="305874"/>
-                  <a:pt x="309507" y="323011"/>
-                  <a:pt x="340894" y="311241"/>
-                </a:cubicBezTo>
-                <a:cubicBezTo>
-                  <a:pt x="344467" y="309901"/>
-                  <a:pt x="346799" y="306098"/>
-                  <a:pt x="350419" y="304891"/>
-                </a:cubicBezTo>
-                <a:cubicBezTo>
-                  <a:pt x="356526" y="302855"/>
-                  <a:pt x="363119" y="302774"/>
-                  <a:pt x="369469" y="301716"/>
-                </a:cubicBezTo>
-                <a:cubicBezTo>
-                  <a:pt x="374761" y="299599"/>
-                  <a:pt x="380008" y="297367"/>
-                  <a:pt x="385344" y="295366"/>
-                </a:cubicBezTo>
-                <a:cubicBezTo>
-                  <a:pt x="411560" y="285535"/>
-                  <a:pt x="406587" y="293425"/>
-                  <a:pt x="455194" y="298541"/>
-                </a:cubicBezTo>
-                <a:cubicBezTo>
-                  <a:pt x="456252" y="301716"/>
-                  <a:pt x="456513" y="305281"/>
-                  <a:pt x="458369" y="308066"/>
-                </a:cubicBezTo>
-                <a:cubicBezTo>
-                  <a:pt x="460860" y="311802"/>
-                  <a:pt x="466360" y="313371"/>
-                  <a:pt x="467894" y="317591"/>
-                </a:cubicBezTo>
-                <a:cubicBezTo>
-                  <a:pt x="486865" y="369762"/>
-                  <a:pt x="459483" y="325613"/>
-                  <a:pt x="477419" y="352516"/>
-                </a:cubicBezTo>
-                <a:cubicBezTo>
-                  <a:pt x="482322" y="372128"/>
-                  <a:pt x="482512" y="367650"/>
-                  <a:pt x="471069" y="349341"/>
-                </a:cubicBezTo>
-                <a:cubicBezTo>
-                  <a:pt x="462276" y="335273"/>
-                  <a:pt x="466440" y="344978"/>
-                  <a:pt x="461544" y="330291"/>
-                </a:cubicBezTo>
-                <a:cubicBezTo>
-                  <a:pt x="464719" y="320766"/>
-                  <a:pt x="464711" y="309487"/>
-                  <a:pt x="471069" y="301716"/>
-                </a:cubicBezTo>
-                <a:cubicBezTo>
-                  <a:pt x="475308" y="296536"/>
-                  <a:pt x="483904" y="297852"/>
-                  <a:pt x="490119" y="295366"/>
-                </a:cubicBezTo>
-                <a:cubicBezTo>
-                  <a:pt x="494513" y="293608"/>
-                  <a:pt x="498586" y="291133"/>
-                  <a:pt x="502819" y="289016"/>
-                </a:cubicBezTo>
-                <a:cubicBezTo>
-                  <a:pt x="518290" y="265810"/>
-                  <a:pt x="499406" y="294989"/>
-                  <a:pt x="515519" y="266791"/>
-                </a:cubicBezTo>
-                <a:cubicBezTo>
-                  <a:pt x="517412" y="263478"/>
-                  <a:pt x="520162" y="260679"/>
-                  <a:pt x="521869" y="257266"/>
-                </a:cubicBezTo>
-                <a:cubicBezTo>
-                  <a:pt x="523366" y="254273"/>
-                  <a:pt x="522677" y="250108"/>
-                  <a:pt x="525044" y="247741"/>
-                </a:cubicBezTo>
-                <a:cubicBezTo>
-                  <a:pt x="527411" y="245374"/>
-                  <a:pt x="531394" y="245624"/>
-                  <a:pt x="534569" y="244566"/>
-                </a:cubicBezTo>
-                <a:cubicBezTo>
-                  <a:pt x="537744" y="241391"/>
-                  <a:pt x="541603" y="238777"/>
-                  <a:pt x="544094" y="235041"/>
-                </a:cubicBezTo>
-                <a:cubicBezTo>
-                  <a:pt x="545950" y="232256"/>
-                  <a:pt x="544902" y="227883"/>
-                  <a:pt x="547269" y="225516"/>
-                </a:cubicBezTo>
-                <a:cubicBezTo>
-                  <a:pt x="555802" y="216983"/>
-                  <a:pt x="567311" y="211824"/>
-                  <a:pt x="575844" y="203291"/>
-                </a:cubicBezTo>
-                <a:cubicBezTo>
-                  <a:pt x="579019" y="200116"/>
-                  <a:pt x="581633" y="196257"/>
-                  <a:pt x="585369" y="193766"/>
-                </a:cubicBezTo>
-                <a:cubicBezTo>
-                  <a:pt x="588154" y="191910"/>
-                  <a:pt x="591901" y="192088"/>
-                  <a:pt x="594894" y="190591"/>
-                </a:cubicBezTo>
-                <a:cubicBezTo>
-                  <a:pt x="598307" y="188884"/>
-                  <a:pt x="601006" y="185948"/>
-                  <a:pt x="604419" y="184241"/>
-                </a:cubicBezTo>
-                <a:cubicBezTo>
-                  <a:pt x="607412" y="182744"/>
-                  <a:pt x="611018" y="182691"/>
-                  <a:pt x="613944" y="181066"/>
-                </a:cubicBezTo>
-                <a:cubicBezTo>
-                  <a:pt x="620615" y="177360"/>
-                  <a:pt x="632994" y="168366"/>
-                  <a:pt x="632994" y="168366"/>
-                </a:cubicBezTo>
-                <a:cubicBezTo>
-                  <a:pt x="636138" y="158935"/>
-                  <a:pt x="638147" y="147338"/>
-                  <a:pt x="645694" y="139791"/>
-                </a:cubicBezTo>
-                <a:cubicBezTo>
-                  <a:pt x="649436" y="136049"/>
-                  <a:pt x="654652" y="134008"/>
-                  <a:pt x="658394" y="130266"/>
-                </a:cubicBezTo>
-                <a:cubicBezTo>
-                  <a:pt x="673012" y="115648"/>
-                  <a:pt x="654356" y="123338"/>
-                  <a:pt x="677444" y="117566"/>
-                </a:cubicBezTo>
-                <a:cubicBezTo>
-                  <a:pt x="678502" y="114391"/>
-                  <a:pt x="677781" y="109815"/>
-                  <a:pt x="680619" y="108041"/>
-                </a:cubicBezTo>
-                <a:cubicBezTo>
-                  <a:pt x="698083" y="97126"/>
-                  <a:pt x="764295" y="98618"/>
-                  <a:pt x="766344" y="98516"/>
-                </a:cubicBezTo>
-                <a:cubicBezTo>
-                  <a:pt x="762111" y="95341"/>
-                  <a:pt x="756579" y="93394"/>
-                  <a:pt x="753644" y="88991"/>
-                </a:cubicBezTo>
-                <a:cubicBezTo>
-                  <a:pt x="749931" y="83422"/>
-                  <a:pt x="750287" y="75928"/>
-                  <a:pt x="747294" y="69941"/>
-                </a:cubicBezTo>
-                <a:lnTo>
-                  <a:pt x="740944" y="57241"/>
-                </a:lnTo>
-                <a:cubicBezTo>
-                  <a:pt x="739250" y="57664"/>
-                  <a:pt x="721452" y="61769"/>
-                  <a:pt x="718719" y="63591"/>
-                </a:cubicBezTo>
-                <a:cubicBezTo>
-                  <a:pt x="694936" y="79446"/>
-                  <a:pt x="722317" y="68742"/>
-                  <a:pt x="699669" y="76291"/>
-                </a:cubicBezTo>
-                <a:cubicBezTo>
-                  <a:pt x="691202" y="101691"/>
-                  <a:pt x="703902" y="72058"/>
-                  <a:pt x="686969" y="88991"/>
-                </a:cubicBezTo>
-                <a:cubicBezTo>
-                  <a:pt x="684602" y="91358"/>
-                  <a:pt x="685885" y="95903"/>
-                  <a:pt x="683794" y="98516"/>
-                </a:cubicBezTo>
-                <a:cubicBezTo>
-                  <a:pt x="681410" y="101496"/>
-                  <a:pt x="677200" y="102423"/>
-                  <a:pt x="674269" y="104866"/>
-                </a:cubicBezTo>
-                <a:cubicBezTo>
-                  <a:pt x="658414" y="118079"/>
-                  <a:pt x="671958" y="111986"/>
-                  <a:pt x="655219" y="117566"/>
-                </a:cubicBezTo>
-                <a:cubicBezTo>
-                  <a:pt x="652044" y="120741"/>
-                  <a:pt x="650139" y="126456"/>
-                  <a:pt x="645694" y="127091"/>
-                </a:cubicBezTo>
-                <a:cubicBezTo>
-                  <a:pt x="637989" y="128192"/>
-                  <a:pt x="600144" y="122398"/>
-                  <a:pt x="588544" y="120741"/>
-                </a:cubicBezTo>
-                <a:cubicBezTo>
-                  <a:pt x="583252" y="118624"/>
-                  <a:pt x="578005" y="116392"/>
-                  <a:pt x="572669" y="114391"/>
-                </a:cubicBezTo>
-                <a:cubicBezTo>
-                  <a:pt x="569535" y="113216"/>
-                  <a:pt x="565757" y="113307"/>
-                  <a:pt x="563144" y="111216"/>
-                </a:cubicBezTo>
-                <a:cubicBezTo>
-                  <a:pt x="560164" y="108832"/>
-                  <a:pt x="559237" y="104622"/>
-                  <a:pt x="556794" y="101691"/>
-                </a:cubicBezTo>
-                <a:cubicBezTo>
-                  <a:pt x="553919" y="98242"/>
-                  <a:pt x="550191" y="95575"/>
-                  <a:pt x="547269" y="92166"/>
-                </a:cubicBezTo>
-                <a:cubicBezTo>
-                  <a:pt x="545543" y="90153"/>
-                  <a:pt x="533404" y="73961"/>
-                  <a:pt x="531394" y="69941"/>
-                </a:cubicBezTo>
-                <a:cubicBezTo>
-                  <a:pt x="529897" y="66948"/>
-                  <a:pt x="530586" y="62783"/>
-                  <a:pt x="528219" y="60416"/>
-                </a:cubicBezTo>
-                <a:cubicBezTo>
-                  <a:pt x="525852" y="58049"/>
-                  <a:pt x="521869" y="58299"/>
-                  <a:pt x="518694" y="57241"/>
-                </a:cubicBezTo>
-                <a:cubicBezTo>
-                  <a:pt x="513114" y="40502"/>
-                  <a:pt x="519207" y="54046"/>
-                  <a:pt x="505994" y="38191"/>
-                </a:cubicBezTo>
-                <a:cubicBezTo>
-                  <a:pt x="503551" y="35260"/>
-                  <a:pt x="502516" y="31179"/>
-                  <a:pt x="499644" y="28666"/>
-                </a:cubicBezTo>
-                <a:cubicBezTo>
-                  <a:pt x="486287" y="16979"/>
-                  <a:pt x="479887" y="15683"/>
-                  <a:pt x="464719" y="9616"/>
-                </a:cubicBezTo>
-                <a:cubicBezTo>
-                  <a:pt x="441436" y="10674"/>
-                  <a:pt x="417859" y="8959"/>
-                  <a:pt x="394869" y="12791"/>
-                </a:cubicBezTo>
-                <a:cubicBezTo>
-                  <a:pt x="391105" y="13418"/>
-                  <a:pt x="391217" y="19618"/>
-                  <a:pt x="388519" y="22316"/>
-                </a:cubicBezTo>
-                <a:cubicBezTo>
-                  <a:pt x="385821" y="25014"/>
-                  <a:pt x="382169" y="26549"/>
-                  <a:pt x="378994" y="28666"/>
-                </a:cubicBezTo>
-                <a:cubicBezTo>
-                  <a:pt x="356769" y="27608"/>
-                  <a:pt x="334411" y="28142"/>
-                  <a:pt x="312319" y="25491"/>
-                </a:cubicBezTo>
-                <a:cubicBezTo>
-                  <a:pt x="269124" y="20308"/>
-                  <a:pt x="323556" y="18754"/>
-                  <a:pt x="290094" y="15966"/>
-                </a:cubicBezTo>
-                <a:cubicBezTo>
-                  <a:pt x="255226" y="13060"/>
-                  <a:pt x="220223" y="12051"/>
-                  <a:pt x="185319" y="9616"/>
-                </a:cubicBezTo>
-                <a:cubicBezTo>
-                  <a:pt x="174709" y="8876"/>
-                  <a:pt x="164152" y="7499"/>
-                  <a:pt x="153569" y="6441"/>
-                </a:cubicBezTo>
-                <a:cubicBezTo>
-                  <a:pt x="148277" y="4324"/>
-                  <a:pt x="143383" y="426"/>
-                  <a:pt x="137694" y="91"/>
-                </a:cubicBezTo>
-                <a:cubicBezTo>
-                  <a:pt x="131347" y="-282"/>
-                  <a:pt x="102469" y="241"/>
-                  <a:pt x="90069" y="6441"/>
-                </a:cubicBezTo>
-                <a:cubicBezTo>
-                  <a:pt x="65450" y="18751"/>
-                  <a:pt x="94960" y="7986"/>
-                  <a:pt x="71019" y="15966"/>
-                </a:cubicBezTo>
-                <a:cubicBezTo>
-                  <a:pt x="69961" y="19141"/>
-                  <a:pt x="70211" y="23124"/>
-                  <a:pt x="67844" y="25491"/>
-                </a:cubicBezTo>
-                <a:cubicBezTo>
-                  <a:pt x="65477" y="27858"/>
-                  <a:pt x="69431" y="14379"/>
-                  <a:pt x="67844" y="19141"/>
-                </a:cubicBezTo>
-                <a:close/>
-              </a:path>
-            </a:pathLst>
-          </a:custGeom>
-          <a:noFill/>
+          <a:xfrm rot="16200000">
+            <a:off x="1479139" y="3665607"/>
+            <a:ext cx="816564" cy="1300397"/>
+          </a:xfrm>
+          <a:prstGeom prst="wedgeRoundRectCallout">
+            <a:avLst>
+              <a:gd name="adj1" fmla="val 68052"/>
+              <a:gd name="adj2" fmla="val 67276"/>
+              <a:gd name="adj3" fmla="val 16667"/>
+            </a:avLst>
+          </a:prstGeom>
+          <a:solidFill>
+            <a:schemeClr val="bg2"/>
+          </a:solidFill>
           <a:ln>
             <a:solidFill>
-              <a:srgbClr val="C00000"/>
+              <a:srgbClr val="FFC000"/>
             </a:solidFill>
           </a:ln>
         </p:spPr>
@@ -5126,222 +4156,12 @@
           </a:p>
         </p:txBody>
       </p:sp>
-      <p:pic>
-        <p:nvPicPr>
-          <p:cNvPr id="37" name="Graphic 36" descr="Direction">
+      <p:sp>
+        <p:nvSpPr>
+          <p:cNvPr id="57" name="Speech Bubble: Rectangle with Corners Rounded 56">
             <a:extLst>
               <a:ext uri="{FF2B5EF4-FFF2-40B4-BE49-F238E27FC236}">
-                <a16:creationId xmlns:a16="http://schemas.microsoft.com/office/drawing/2014/main" id="{1EEB8C1C-A622-4E45-B815-0BE330105666}"/>
-              </a:ext>
-            </a:extLst>
-          </p:cNvPr>
-          <p:cNvPicPr>
-            <a:picLocks noChangeAspect="1"/>
-          </p:cNvPicPr>
-          <p:nvPr/>
-        </p:nvPicPr>
-        <p:blipFill>
-          <a:blip r:embed="rId6">
-            <a:extLst>
-              <a:ext uri="{28A0092B-C50C-407E-A947-70E740481C1C}">
-                <a14:useLocalDpi xmlns:a14="http://schemas.microsoft.com/office/drawing/2010/main" val="0"/>
-              </a:ext>
-              <a:ext uri="{96DAC541-7B7A-43D3-8B79-37D633B846F1}">
-                <asvg:svgBlip xmlns:asvg="http://schemas.microsoft.com/office/drawing/2016/SVG/main" r:embed="rId7"/>
-              </a:ext>
-            </a:extLst>
-          </a:blip>
-          <a:stretch>
-            <a:fillRect/>
-          </a:stretch>
-        </p:blipFill>
-        <p:spPr>
-          <a:xfrm rot="16200000">
-            <a:off x="2887924" y="1400168"/>
-            <a:ext cx="468234" cy="468234"/>
-          </a:xfrm>
-          <a:prstGeom prst="rect">
-            <a:avLst/>
-          </a:prstGeom>
-        </p:spPr>
-      </p:pic>
-      <p:sp>
-        <p:nvSpPr>
-          <p:cNvPr id="46" name="TextBox 45">
-            <a:extLst>
-              <a:ext uri="{FF2B5EF4-FFF2-40B4-BE49-F238E27FC236}">
-                <a16:creationId xmlns:a16="http://schemas.microsoft.com/office/drawing/2014/main" id="{55ED8913-2215-4EC1-8D14-A9FD0753E63B}"/>
-              </a:ext>
-            </a:extLst>
-          </p:cNvPr>
-          <p:cNvSpPr txBox="1"/>
-          <p:nvPr/>
-        </p:nvSpPr>
-        <p:spPr>
-          <a:xfrm>
-            <a:off x="3570942" y="6668904"/>
-            <a:ext cx="3014004" cy="276999"/>
-          </a:xfrm>
-          <a:prstGeom prst="rect">
-            <a:avLst/>
-          </a:prstGeom>
-          <a:solidFill>
-            <a:schemeClr val="bg1"/>
-          </a:solidFill>
-        </p:spPr>
-        <p:txBody>
-          <a:bodyPr wrap="square" rtlCol="0">
-            <a:spAutoFit/>
-          </a:bodyPr>
-          <a:lstStyle/>
-          <a:p>
-            <a:r>
-              <a:rPr lang="en-CA" sz="1200" dirty="0">
-                <a:latin typeface="Bahnschrift SemiBold SemiConden" panose="020B0502040204020203" pitchFamily="34" charset="0"/>
-              </a:rPr>
-              <a:t>		USA Weapons Import</a:t>
-            </a:r>
-            <a:endParaRPr lang="en-CA" sz="900" dirty="0">
-              <a:latin typeface="Bahnschrift SemiBold SemiConden" panose="020B0502040204020203" pitchFamily="34" charset="0"/>
-            </a:endParaRPr>
-          </a:p>
-        </p:txBody>
-      </p:sp>
-      <p:sp>
-        <p:nvSpPr>
-          <p:cNvPr id="47" name="TextBox 46">
-            <a:extLst>
-              <a:ext uri="{FF2B5EF4-FFF2-40B4-BE49-F238E27FC236}">
-                <a16:creationId xmlns:a16="http://schemas.microsoft.com/office/drawing/2014/main" id="{D27A496D-EBF1-4F1E-A4D1-D67F566E5B27}"/>
-              </a:ext>
-            </a:extLst>
-          </p:cNvPr>
-          <p:cNvSpPr txBox="1"/>
-          <p:nvPr/>
-        </p:nvSpPr>
-        <p:spPr>
-          <a:xfrm>
-            <a:off x="224367" y="6668904"/>
-            <a:ext cx="3030008" cy="276999"/>
-          </a:xfrm>
-          <a:prstGeom prst="rect">
-            <a:avLst/>
-          </a:prstGeom>
-          <a:solidFill>
-            <a:schemeClr val="bg1"/>
-          </a:solidFill>
-        </p:spPr>
-        <p:txBody>
-          <a:bodyPr wrap="square" rtlCol="0">
-            <a:spAutoFit/>
-          </a:bodyPr>
-          <a:lstStyle/>
-          <a:p>
-            <a:pPr algn="ctr"/>
-            <a:r>
-              <a:rPr lang="en-CA" sz="1200" dirty="0">
-                <a:latin typeface="Bahnschrift SemiBold SemiConden" panose="020B0502040204020203" pitchFamily="34" charset="0"/>
-              </a:rPr>
-              <a:t>USA Weapons Import share in GDP</a:t>
-            </a:r>
-            <a:endParaRPr lang="en-CA" sz="900" dirty="0">
-              <a:latin typeface="Bahnschrift SemiBold SemiConden" panose="020B0502040204020203" pitchFamily="34" charset="0"/>
-            </a:endParaRPr>
-          </a:p>
-        </p:txBody>
-      </p:sp>
-      <p:sp>
-        <p:nvSpPr>
-          <p:cNvPr id="48" name="TextBox 47">
-            <a:extLst>
-              <a:ext uri="{FF2B5EF4-FFF2-40B4-BE49-F238E27FC236}">
-                <a16:creationId xmlns:a16="http://schemas.microsoft.com/office/drawing/2014/main" id="{147A08F0-AAD4-4692-9696-10F2FA2471A5}"/>
-              </a:ext>
-            </a:extLst>
-          </p:cNvPr>
-          <p:cNvSpPr txBox="1"/>
-          <p:nvPr/>
-        </p:nvSpPr>
-        <p:spPr>
-          <a:xfrm rot="16200000">
-            <a:off x="-862759" y="7665707"/>
-            <a:ext cx="2308706" cy="276999"/>
-          </a:xfrm>
-          <a:prstGeom prst="rect">
-            <a:avLst/>
-          </a:prstGeom>
-          <a:solidFill>
-            <a:schemeClr val="bg1"/>
-          </a:solidFill>
-        </p:spPr>
-        <p:txBody>
-          <a:bodyPr wrap="square" rtlCol="0">
-            <a:spAutoFit/>
-          </a:bodyPr>
-          <a:lstStyle/>
-          <a:p>
-            <a:pPr algn="ctr"/>
-            <a:r>
-              <a:rPr lang="en-CA" sz="1200" dirty="0">
-                <a:latin typeface="Bahnschrift SemiBold SemiConden" panose="020B0502040204020203" pitchFamily="34" charset="0"/>
-              </a:rPr>
-              <a:t>GDP%</a:t>
-            </a:r>
-            <a:endParaRPr lang="en-CA" sz="900" dirty="0">
-              <a:latin typeface="Bahnschrift SemiBold SemiConden" panose="020B0502040204020203" pitchFamily="34" charset="0"/>
-            </a:endParaRPr>
-          </a:p>
-        </p:txBody>
-      </p:sp>
-      <p:sp>
-        <p:nvSpPr>
-          <p:cNvPr id="49" name="TextBox 48">
-            <a:extLst>
-              <a:ext uri="{FF2B5EF4-FFF2-40B4-BE49-F238E27FC236}">
-                <a16:creationId xmlns:a16="http://schemas.microsoft.com/office/drawing/2014/main" id="{E24420D0-D47F-4898-B598-9130FAA058F1}"/>
-              </a:ext>
-            </a:extLst>
-          </p:cNvPr>
-          <p:cNvSpPr txBox="1"/>
-          <p:nvPr/>
-        </p:nvSpPr>
-        <p:spPr>
-          <a:xfrm rot="16200000">
-            <a:off x="2471333" y="7662532"/>
-            <a:ext cx="2308706" cy="276999"/>
-          </a:xfrm>
-          <a:prstGeom prst="rect">
-            <a:avLst/>
-          </a:prstGeom>
-          <a:solidFill>
-            <a:schemeClr val="bg1"/>
-          </a:solidFill>
-        </p:spPr>
-        <p:txBody>
-          <a:bodyPr wrap="square" rtlCol="0">
-            <a:spAutoFit/>
-          </a:bodyPr>
-          <a:lstStyle/>
-          <a:p>
-            <a:pPr algn="ctr"/>
-            <a:r>
-              <a:rPr lang="en-CA" sz="1200" dirty="0">
-                <a:latin typeface="Bahnschrift SemiBold SemiConden" panose="020B0502040204020203" pitchFamily="34" charset="0"/>
-              </a:rPr>
-              <a:t>USD</a:t>
-            </a:r>
-            <a:endParaRPr lang="en-CA" sz="900" dirty="0">
-              <a:latin typeface="Bahnschrift SemiBold SemiConden" panose="020B0502040204020203" pitchFamily="34" charset="0"/>
-            </a:endParaRPr>
-          </a:p>
-        </p:txBody>
-      </p:sp>
-      <p:sp>
-        <p:nvSpPr>
-          <p:cNvPr id="53" name="Speech Bubble: Rectangle with Corners Rounded 52">
-            <a:extLst>
-              <a:ext uri="{FF2B5EF4-FFF2-40B4-BE49-F238E27FC236}">
-                <a16:creationId xmlns:a16="http://schemas.microsoft.com/office/drawing/2014/main" id="{CD880294-62AC-4547-B01C-2A51D8EE0E92}"/>
+                <a16:creationId xmlns:a16="http://schemas.microsoft.com/office/drawing/2014/main" id="{89795183-960D-440E-A935-966C483882DF}"/>
               </a:ext>
             </a:extLst>
           </p:cNvPr>
@@ -5350,13 +4170,13 @@
         </p:nvSpPr>
         <p:spPr>
           <a:xfrm rot="16200000">
-            <a:off x="408370" y="3665606"/>
-            <a:ext cx="816564" cy="1300397"/>
+            <a:off x="2846864" y="6681467"/>
+            <a:ext cx="297074" cy="1281542"/>
           </a:xfrm>
           <a:prstGeom prst="wedgeRoundRectCallout">
             <a:avLst>
-              <a:gd name="adj1" fmla="val 68052"/>
-              <a:gd name="adj2" fmla="val 67276"/>
+              <a:gd name="adj1" fmla="val -41987"/>
+              <a:gd name="adj2" fmla="val -69387"/>
               <a:gd name="adj3" fmla="val 16667"/>
             </a:avLst>
           </a:prstGeom>
@@ -5396,10 +4216,10 @@
       </p:sp>
       <p:sp>
         <p:nvSpPr>
-          <p:cNvPr id="54" name="Speech Bubble: Rectangle with Corners Rounded 53">
+          <p:cNvPr id="58" name="Speech Bubble: Rectangle with Corners Rounded 57">
             <a:extLst>
               <a:ext uri="{FF2B5EF4-FFF2-40B4-BE49-F238E27FC236}">
-                <a16:creationId xmlns:a16="http://schemas.microsoft.com/office/drawing/2014/main" id="{C39F0E5A-80EF-412B-A088-52CC280FE8FC}"/>
+                <a16:creationId xmlns:a16="http://schemas.microsoft.com/office/drawing/2014/main" id="{3DE07CBC-DF6F-4CA3-89C2-CD8135D79AE2}"/>
               </a:ext>
             </a:extLst>
           </p:cNvPr>
@@ -5408,13 +4228,13 @@
         </p:nvSpPr>
         <p:spPr>
           <a:xfrm rot="16200000">
-            <a:off x="396858" y="2752944"/>
-            <a:ext cx="619162" cy="1323977"/>
+            <a:off x="6192593" y="7540236"/>
+            <a:ext cx="319740" cy="1285718"/>
           </a:xfrm>
           <a:prstGeom prst="wedgeRoundRectCallout">
             <a:avLst>
-              <a:gd name="adj1" fmla="val 78106"/>
-              <a:gd name="adj2" fmla="val -19306"/>
+              <a:gd name="adj1" fmla="val -41987"/>
+              <a:gd name="adj2" fmla="val -69387"/>
               <a:gd name="adj3" fmla="val 16667"/>
             </a:avLst>
           </a:prstGeom>
@@ -5454,10 +4274,10 @@
       </p:sp>
       <p:sp>
         <p:nvSpPr>
-          <p:cNvPr id="56" name="Speech Bubble: Rectangle with Corners Rounded 55">
+          <p:cNvPr id="59" name="Speech Bubble: Rectangle with Corners Rounded 58">
             <a:extLst>
               <a:ext uri="{FF2B5EF4-FFF2-40B4-BE49-F238E27FC236}">
-                <a16:creationId xmlns:a16="http://schemas.microsoft.com/office/drawing/2014/main" id="{4CB64E8F-ABA1-43D0-A901-2CC27DDE7B28}"/>
+                <a16:creationId xmlns:a16="http://schemas.microsoft.com/office/drawing/2014/main" id="{2ED29451-E531-4A7C-B859-304D956AD14A}"/>
               </a:ext>
             </a:extLst>
           </p:cNvPr>
@@ -5466,13 +4286,13 @@
         </p:nvSpPr>
         <p:spPr>
           <a:xfrm rot="16200000">
-            <a:off x="1920816" y="1484629"/>
-            <a:ext cx="535719" cy="1070948"/>
+            <a:off x="1750178" y="5674079"/>
+            <a:ext cx="336764" cy="1362675"/>
           </a:xfrm>
           <a:prstGeom prst="wedgeRoundRectCallout">
             <a:avLst>
-              <a:gd name="adj1" fmla="val 50867"/>
-              <a:gd name="adj2" fmla="val 68839"/>
+              <a:gd name="adj1" fmla="val -93904"/>
+              <a:gd name="adj2" fmla="val -5887"/>
               <a:gd name="adj3" fmla="val 16667"/>
             </a:avLst>
           </a:prstGeom>
@@ -5512,10 +4332,279 @@
       </p:sp>
       <p:sp>
         <p:nvSpPr>
-          <p:cNvPr id="57" name="Speech Bubble: Rectangle with Corners Rounded 56">
+          <p:cNvPr id="60" name="TextBox 59">
             <a:extLst>
               <a:ext uri="{FF2B5EF4-FFF2-40B4-BE49-F238E27FC236}">
-                <a16:creationId xmlns:a16="http://schemas.microsoft.com/office/drawing/2014/main" id="{89795183-960D-440E-A935-966C483882DF}"/>
+                <a16:creationId xmlns:a16="http://schemas.microsoft.com/office/drawing/2014/main" id="{4D3EA213-F377-416A-87C3-8A25C17B58D6}"/>
+              </a:ext>
+            </a:extLst>
+          </p:cNvPr>
+          <p:cNvSpPr txBox="1"/>
+          <p:nvPr/>
+        </p:nvSpPr>
+        <p:spPr>
+          <a:xfrm>
+            <a:off x="1221105" y="3939257"/>
+            <a:ext cx="1375845" cy="784830"/>
+          </a:xfrm>
+          <a:prstGeom prst="rect">
+            <a:avLst/>
+          </a:prstGeom>
+          <a:noFill/>
+        </p:spPr>
+        <p:txBody>
+          <a:bodyPr wrap="square" rtlCol="0">
+            <a:spAutoFit/>
+          </a:bodyPr>
+          <a:lstStyle/>
+          <a:p>
+            <a:r>
+              <a:rPr lang="en-CA" sz="900" dirty="0">
+                <a:latin typeface="Arial" panose="020B0604020202020204" pitchFamily="34" charset="0"/>
+                <a:cs typeface="Arial" panose="020B0604020202020204" pitchFamily="34" charset="0"/>
+              </a:rPr>
+              <a:t>Year slider bar that changes the choropleth map and weapons as % of GDP chart for the year on the slider bar</a:t>
+            </a:r>
+          </a:p>
+        </p:txBody>
+      </p:sp>
+      <p:grpSp>
+        <p:nvGrpSpPr>
+          <p:cNvPr id="5" name="Group 4">
+            <a:extLst>
+              <a:ext uri="{FF2B5EF4-FFF2-40B4-BE49-F238E27FC236}">
+                <a16:creationId xmlns:a16="http://schemas.microsoft.com/office/drawing/2014/main" id="{B6252F00-01C5-47F4-A0FB-1BF3A64D0AE1}"/>
+              </a:ext>
+            </a:extLst>
+          </p:cNvPr>
+          <p:cNvGrpSpPr/>
+          <p:nvPr/>
+        </p:nvGrpSpPr>
+        <p:grpSpPr>
+          <a:xfrm>
+            <a:off x="39515" y="846976"/>
+            <a:ext cx="1099718" cy="905267"/>
+            <a:chOff x="135739" y="2488639"/>
+            <a:chExt cx="1385849" cy="905267"/>
+          </a:xfrm>
+        </p:grpSpPr>
+        <p:sp>
+          <p:nvSpPr>
+            <p:cNvPr id="54" name="Speech Bubble: Rectangle with Corners Rounded 53">
+              <a:extLst>
+                <a:ext uri="{FF2B5EF4-FFF2-40B4-BE49-F238E27FC236}">
+                  <a16:creationId xmlns:a16="http://schemas.microsoft.com/office/drawing/2014/main" id="{C39F0E5A-80EF-412B-A088-52CC280FE8FC}"/>
+                </a:ext>
+              </a:extLst>
+            </p:cNvPr>
+            <p:cNvSpPr/>
+            <p:nvPr/>
+          </p:nvSpPr>
+          <p:spPr>
+            <a:xfrm rot="16200000">
+              <a:off x="348153" y="2282344"/>
+              <a:ext cx="899149" cy="1323976"/>
+            </a:xfrm>
+            <a:prstGeom prst="wedgeRoundRectCallout">
+              <a:avLst>
+                <a:gd name="adj1" fmla="val -2404"/>
+                <a:gd name="adj2" fmla="val 72080"/>
+                <a:gd name="adj3" fmla="val 16667"/>
+              </a:avLst>
+            </a:prstGeom>
+            <a:solidFill>
+              <a:schemeClr val="bg2"/>
+            </a:solidFill>
+            <a:ln>
+              <a:solidFill>
+                <a:srgbClr val="FFC000"/>
+              </a:solidFill>
+            </a:ln>
+          </p:spPr>
+          <p:style>
+            <a:lnRef idx="2">
+              <a:schemeClr val="accent1">
+                <a:shade val="50000"/>
+              </a:schemeClr>
+            </a:lnRef>
+            <a:fillRef idx="1">
+              <a:schemeClr val="accent1"/>
+            </a:fillRef>
+            <a:effectRef idx="0">
+              <a:schemeClr val="accent1"/>
+            </a:effectRef>
+            <a:fontRef idx="minor">
+              <a:schemeClr val="lt1"/>
+            </a:fontRef>
+          </p:style>
+          <p:txBody>
+            <a:bodyPr rtlCol="0" anchor="ctr"/>
+            <a:lstStyle/>
+            <a:p>
+              <a:pPr algn="ctr"/>
+              <a:endParaRPr lang="en-CA"/>
+            </a:p>
+          </p:txBody>
+        </p:sp>
+        <p:sp>
+          <p:nvSpPr>
+            <p:cNvPr id="63" name="TextBox 62">
+              <a:extLst>
+                <a:ext uri="{FF2B5EF4-FFF2-40B4-BE49-F238E27FC236}">
+                  <a16:creationId xmlns:a16="http://schemas.microsoft.com/office/drawing/2014/main" id="{0A14C6E0-92E0-4243-AF9D-5A60EA9AB7B8}"/>
+                </a:ext>
+              </a:extLst>
+            </p:cNvPr>
+            <p:cNvSpPr txBox="1"/>
+            <p:nvPr/>
+          </p:nvSpPr>
+          <p:spPr>
+            <a:xfrm>
+              <a:off x="135739" y="2488639"/>
+              <a:ext cx="1385849" cy="646331"/>
+            </a:xfrm>
+            <a:prstGeom prst="rect">
+              <a:avLst/>
+            </a:prstGeom>
+            <a:noFill/>
+          </p:spPr>
+          <p:txBody>
+            <a:bodyPr wrap="square" rtlCol="0">
+              <a:spAutoFit/>
+            </a:bodyPr>
+            <a:lstStyle/>
+            <a:p>
+              <a:r>
+                <a:rPr lang="en-CA" sz="900" dirty="0">
+                  <a:latin typeface="Arial" panose="020B0604020202020204" pitchFamily="34" charset="0"/>
+                  <a:cs typeface="Arial" panose="020B0604020202020204" pitchFamily="34" charset="0"/>
+                </a:rPr>
+                <a:t>Buttons to change what is shown on the choropleth and weapons % GDP graph </a:t>
+              </a:r>
+            </a:p>
+          </p:txBody>
+        </p:sp>
+      </p:grpSp>
+      <p:sp>
+        <p:nvSpPr>
+          <p:cNvPr id="65" name="TextBox 64">
+            <a:extLst>
+              <a:ext uri="{FF2B5EF4-FFF2-40B4-BE49-F238E27FC236}">
+                <a16:creationId xmlns:a16="http://schemas.microsoft.com/office/drawing/2014/main" id="{C401D68B-4192-4284-8BFE-E793F6FED88E}"/>
+              </a:ext>
+            </a:extLst>
+          </p:cNvPr>
+          <p:cNvSpPr txBox="1"/>
+          <p:nvPr/>
+        </p:nvSpPr>
+        <p:spPr>
+          <a:xfrm>
+            <a:off x="2297183" y="7138778"/>
+            <a:ext cx="1485292" cy="369332"/>
+          </a:xfrm>
+          <a:prstGeom prst="rect">
+            <a:avLst/>
+          </a:prstGeom>
+          <a:noFill/>
+        </p:spPr>
+        <p:txBody>
+          <a:bodyPr wrap="square" rtlCol="0">
+            <a:spAutoFit/>
+          </a:bodyPr>
+          <a:lstStyle/>
+          <a:p>
+            <a:r>
+              <a:rPr lang="en-CA" sz="900" dirty="0">
+                <a:latin typeface="Arial" panose="020B0604020202020204" pitchFamily="34" charset="0"/>
+                <a:cs typeface="Arial" panose="020B0604020202020204" pitchFamily="34" charset="0"/>
+              </a:rPr>
+              <a:t>Year highlighted based on slider bar</a:t>
+            </a:r>
+          </a:p>
+        </p:txBody>
+      </p:sp>
+      <p:sp>
+        <p:nvSpPr>
+          <p:cNvPr id="66" name="TextBox 65">
+            <a:extLst>
+              <a:ext uri="{FF2B5EF4-FFF2-40B4-BE49-F238E27FC236}">
+                <a16:creationId xmlns:a16="http://schemas.microsoft.com/office/drawing/2014/main" id="{709D77BA-2F89-46BA-8D69-2F71C80E093D}"/>
+              </a:ext>
+            </a:extLst>
+          </p:cNvPr>
+          <p:cNvSpPr txBox="1"/>
+          <p:nvPr/>
+        </p:nvSpPr>
+        <p:spPr>
+          <a:xfrm>
+            <a:off x="1179556" y="6173515"/>
+            <a:ext cx="1485292" cy="369332"/>
+          </a:xfrm>
+          <a:prstGeom prst="rect">
+            <a:avLst/>
+          </a:prstGeom>
+          <a:noFill/>
+        </p:spPr>
+        <p:txBody>
+          <a:bodyPr wrap="square" rtlCol="0">
+            <a:spAutoFit/>
+          </a:bodyPr>
+          <a:lstStyle/>
+          <a:p>
+            <a:r>
+              <a:rPr lang="en-CA" sz="900" dirty="0">
+                <a:latin typeface="Arial" panose="020B0604020202020204" pitchFamily="34" charset="0"/>
+                <a:cs typeface="Arial" panose="020B0604020202020204" pitchFamily="34" charset="0"/>
+              </a:rPr>
+              <a:t>Country changes based on selection in choropleth </a:t>
+            </a:r>
+          </a:p>
+        </p:txBody>
+      </p:sp>
+      <p:sp>
+        <p:nvSpPr>
+          <p:cNvPr id="67" name="TextBox 66">
+            <a:extLst>
+              <a:ext uri="{FF2B5EF4-FFF2-40B4-BE49-F238E27FC236}">
+                <a16:creationId xmlns:a16="http://schemas.microsoft.com/office/drawing/2014/main" id="{C9EB0EDF-770F-4605-BFFE-56C5C0C67BFF}"/>
+              </a:ext>
+            </a:extLst>
+          </p:cNvPr>
+          <p:cNvSpPr txBox="1"/>
+          <p:nvPr/>
+        </p:nvSpPr>
+        <p:spPr>
+          <a:xfrm>
+            <a:off x="5674267" y="7998871"/>
+            <a:ext cx="1485292" cy="369332"/>
+          </a:xfrm>
+          <a:prstGeom prst="rect">
+            <a:avLst/>
+          </a:prstGeom>
+          <a:noFill/>
+        </p:spPr>
+        <p:txBody>
+          <a:bodyPr wrap="square" rtlCol="0">
+            <a:spAutoFit/>
+          </a:bodyPr>
+          <a:lstStyle/>
+          <a:p>
+            <a:r>
+              <a:rPr lang="en-CA" sz="900" dirty="0">
+                <a:latin typeface="Arial" panose="020B0604020202020204" pitchFamily="34" charset="0"/>
+                <a:cs typeface="Arial" panose="020B0604020202020204" pitchFamily="34" charset="0"/>
+              </a:rPr>
+              <a:t>Year highlighted based on slider bar</a:t>
+            </a:r>
+          </a:p>
+        </p:txBody>
+      </p:sp>
+      <p:sp>
+        <p:nvSpPr>
+          <p:cNvPr id="3" name="Rectangle: Rounded Corners 2">
+            <a:extLst>
+              <a:ext uri="{FF2B5EF4-FFF2-40B4-BE49-F238E27FC236}">
+                <a16:creationId xmlns:a16="http://schemas.microsoft.com/office/drawing/2014/main" id="{9615AFF7-57E7-4D1A-8CCA-AAEAABCCA1A8}"/>
               </a:ext>
             </a:extLst>
           </p:cNvPr>
@@ -5523,25 +4612,64 @@
           <p:nvPr/>
         </p:nvSpPr>
         <p:spPr>
-          <a:xfrm rot="16200000">
-            <a:off x="1776095" y="6681467"/>
-            <a:ext cx="297074" cy="1281542"/>
-          </a:xfrm>
-          <a:prstGeom prst="wedgeRoundRectCallout">
-            <a:avLst>
-              <a:gd name="adj1" fmla="val -41987"/>
-              <a:gd name="adj2" fmla="val -69387"/>
-              <a:gd name="adj3" fmla="val 16667"/>
-            </a:avLst>
+          <a:xfrm>
+            <a:off x="1375443" y="2719364"/>
+            <a:ext cx="453814" cy="153304"/>
+          </a:xfrm>
+          <a:prstGeom prst="roundRect">
+            <a:avLst/>
           </a:prstGeom>
-          <a:solidFill>
-            <a:schemeClr val="bg2"/>
-          </a:solidFill>
-          <a:ln>
-            <a:solidFill>
-              <a:srgbClr val="FFC000"/>
-            </a:solidFill>
-          </a:ln>
+        </p:spPr>
+        <p:style>
+          <a:lnRef idx="2">
+            <a:schemeClr val="accent3">
+              <a:shade val="50000"/>
+            </a:schemeClr>
+          </a:lnRef>
+          <a:fillRef idx="1">
+            <a:schemeClr val="accent3"/>
+          </a:fillRef>
+          <a:effectRef idx="0">
+            <a:schemeClr val="accent3"/>
+          </a:effectRef>
+          <a:fontRef idx="minor">
+            <a:schemeClr val="lt1"/>
+          </a:fontRef>
+        </p:style>
+        <p:txBody>
+          <a:bodyPr rot="0" spcFirstLastPara="0" vertOverflow="overflow" horzOverflow="overflow" vert="horz" wrap="square" lIns="91440" tIns="45720" rIns="91440" bIns="45720" numCol="1" spcCol="0" rtlCol="0" fromWordArt="0" anchor="ctr" anchorCtr="0" forceAA="0" compatLnSpc="1">
+            <a:prstTxWarp prst="textNoShape">
+              <a:avLst/>
+            </a:prstTxWarp>
+            <a:noAutofit/>
+          </a:bodyPr>
+          <a:lstStyle/>
+          <a:p>
+            <a:pPr algn="ctr"/>
+            <a:endParaRPr lang="en-CA"/>
+          </a:p>
+        </p:txBody>
+      </p:sp>
+      <p:sp>
+        <p:nvSpPr>
+          <p:cNvPr id="4" name="Oval 3">
+            <a:extLst>
+              <a:ext uri="{FF2B5EF4-FFF2-40B4-BE49-F238E27FC236}">
+                <a16:creationId xmlns:a16="http://schemas.microsoft.com/office/drawing/2014/main" id="{D03D86E4-1E1F-4674-83A4-FCE97110C30A}"/>
+              </a:ext>
+            </a:extLst>
+          </p:cNvPr>
+          <p:cNvSpPr/>
+          <p:nvPr/>
+        </p:nvSpPr>
+        <p:spPr>
+          <a:xfrm>
+            <a:off x="1417777" y="2744829"/>
+            <a:ext cx="142142" cy="96120"/>
+          </a:xfrm>
+          <a:prstGeom prst="ellipse">
+            <a:avLst/>
+          </a:prstGeom>
         </p:spPr>
         <p:style>
           <a:lnRef idx="2">
@@ -5560,7 +4688,12 @@
           </a:fontRef>
         </p:style>
         <p:txBody>
-          <a:bodyPr rtlCol="0" anchor="ctr"/>
+          <a:bodyPr rot="0" spcFirstLastPara="0" vertOverflow="overflow" horzOverflow="overflow" vert="horz" wrap="square" lIns="91440" tIns="45720" rIns="91440" bIns="45720" numCol="1" spcCol="0" rtlCol="0" fromWordArt="0" anchor="ctr" anchorCtr="0" forceAA="0" compatLnSpc="1">
+            <a:prstTxWarp prst="textNoShape">
+              <a:avLst/>
+            </a:prstTxWarp>
+            <a:noAutofit/>
+          </a:bodyPr>
           <a:lstStyle/>
           <a:p>
             <a:pPr algn="ctr"/>
@@ -5570,10 +4703,10 @@
       </p:sp>
       <p:sp>
         <p:nvSpPr>
-          <p:cNvPr id="58" name="Speech Bubble: Rectangle with Corners Rounded 57">
+          <p:cNvPr id="50" name="Rectangle: Rounded Corners 49">
             <a:extLst>
               <a:ext uri="{FF2B5EF4-FFF2-40B4-BE49-F238E27FC236}">
-                <a16:creationId xmlns:a16="http://schemas.microsoft.com/office/drawing/2014/main" id="{3DE07CBC-DF6F-4CA3-89C2-CD8135D79AE2}"/>
+                <a16:creationId xmlns:a16="http://schemas.microsoft.com/office/drawing/2014/main" id="{3DE190CC-A7FF-4171-9667-E0F153CCAE03}"/>
               </a:ext>
             </a:extLst>
           </p:cNvPr>
@@ -5581,25 +4714,64 @@
           <p:nvPr/>
         </p:nvSpPr>
         <p:spPr>
-          <a:xfrm rot="16200000">
-            <a:off x="5121824" y="7540236"/>
-            <a:ext cx="319740" cy="1285718"/>
-          </a:xfrm>
-          <a:prstGeom prst="wedgeRoundRectCallout">
-            <a:avLst>
-              <a:gd name="adj1" fmla="val -41987"/>
-              <a:gd name="adj2" fmla="val -69387"/>
-              <a:gd name="adj3" fmla="val 16667"/>
-            </a:avLst>
+          <a:xfrm>
+            <a:off x="1374589" y="3121267"/>
+            <a:ext cx="453814" cy="153304"/>
+          </a:xfrm>
+          <a:prstGeom prst="roundRect">
+            <a:avLst/>
           </a:prstGeom>
-          <a:solidFill>
-            <a:schemeClr val="bg2"/>
-          </a:solidFill>
-          <a:ln>
-            <a:solidFill>
-              <a:srgbClr val="FFC000"/>
-            </a:solidFill>
-          </a:ln>
+        </p:spPr>
+        <p:style>
+          <a:lnRef idx="2">
+            <a:schemeClr val="accent3">
+              <a:shade val="50000"/>
+            </a:schemeClr>
+          </a:lnRef>
+          <a:fillRef idx="1">
+            <a:schemeClr val="accent3"/>
+          </a:fillRef>
+          <a:effectRef idx="0">
+            <a:schemeClr val="accent3"/>
+          </a:effectRef>
+          <a:fontRef idx="minor">
+            <a:schemeClr val="lt1"/>
+          </a:fontRef>
+        </p:style>
+        <p:txBody>
+          <a:bodyPr rot="0" spcFirstLastPara="0" vertOverflow="overflow" horzOverflow="overflow" vert="horz" wrap="square" lIns="91440" tIns="45720" rIns="91440" bIns="45720" numCol="1" spcCol="0" rtlCol="0" fromWordArt="0" anchor="ctr" anchorCtr="0" forceAA="0" compatLnSpc="1">
+            <a:prstTxWarp prst="textNoShape">
+              <a:avLst/>
+            </a:prstTxWarp>
+            <a:noAutofit/>
+          </a:bodyPr>
+          <a:lstStyle/>
+          <a:p>
+            <a:pPr algn="ctr"/>
+            <a:endParaRPr lang="en-CA"/>
+          </a:p>
+        </p:txBody>
+      </p:sp>
+      <p:sp>
+        <p:nvSpPr>
+          <p:cNvPr id="51" name="Oval 50">
+            <a:extLst>
+              <a:ext uri="{FF2B5EF4-FFF2-40B4-BE49-F238E27FC236}">
+                <a16:creationId xmlns:a16="http://schemas.microsoft.com/office/drawing/2014/main" id="{E696C8C4-4245-4EE9-BE2D-B2B301E8C584}"/>
+              </a:ext>
+            </a:extLst>
+          </p:cNvPr>
+          <p:cNvSpPr/>
+          <p:nvPr/>
+        </p:nvSpPr>
+        <p:spPr>
+          <a:xfrm>
+            <a:off x="1424821" y="3146732"/>
+            <a:ext cx="142142" cy="96120"/>
+          </a:xfrm>
+          <a:prstGeom prst="ellipse">
+            <a:avLst/>
+          </a:prstGeom>
         </p:spPr>
         <p:style>
           <a:lnRef idx="2">
@@ -5618,7 +4790,12 @@
           </a:fontRef>
         </p:style>
         <p:txBody>
-          <a:bodyPr rtlCol="0" anchor="ctr"/>
+          <a:bodyPr rot="0" spcFirstLastPara="0" vertOverflow="overflow" horzOverflow="overflow" vert="horz" wrap="square" lIns="91440" tIns="45720" rIns="91440" bIns="45720" numCol="1" spcCol="0" rtlCol="0" fromWordArt="0" anchor="ctr" anchorCtr="0" forceAA="0" compatLnSpc="1">
+            <a:prstTxWarp prst="textNoShape">
+              <a:avLst/>
+            </a:prstTxWarp>
+            <a:noAutofit/>
+          </a:bodyPr>
           <a:lstStyle/>
           <a:p>
             <a:pPr algn="ctr"/>
@@ -5628,10 +4805,10 @@
       </p:sp>
       <p:sp>
         <p:nvSpPr>
-          <p:cNvPr id="59" name="Speech Bubble: Rectangle with Corners Rounded 58">
+          <p:cNvPr id="7" name="Rectangle: Rounded Corners 6">
             <a:extLst>
               <a:ext uri="{FF2B5EF4-FFF2-40B4-BE49-F238E27FC236}">
-                <a16:creationId xmlns:a16="http://schemas.microsoft.com/office/drawing/2014/main" id="{2ED29451-E531-4A7C-B859-304D956AD14A}"/>
+                <a16:creationId xmlns:a16="http://schemas.microsoft.com/office/drawing/2014/main" id="{7AEC1DF4-D262-49FC-9552-D347D6C25CF3}"/>
               </a:ext>
             </a:extLst>
           </p:cNvPr>
@@ -5639,23 +4816,21 @@
           <p:nvPr/>
         </p:nvSpPr>
         <p:spPr>
-          <a:xfrm rot="16200000">
-            <a:off x="679409" y="5674078"/>
-            <a:ext cx="336764" cy="1362675"/>
-          </a:xfrm>
-          <a:prstGeom prst="wedgeRoundRectCallout">
-            <a:avLst>
-              <a:gd name="adj1" fmla="val -93904"/>
-              <a:gd name="adj2" fmla="val -5887"/>
-              <a:gd name="adj3" fmla="val 16667"/>
-            </a:avLst>
+          <a:xfrm>
+            <a:off x="1372713" y="2345937"/>
+            <a:ext cx="998583" cy="216798"/>
+          </a:xfrm>
+          <a:prstGeom prst="roundRect">
+            <a:avLst/>
           </a:prstGeom>
           <a:solidFill>
             <a:schemeClr val="bg2"/>
           </a:solidFill>
           <a:ln>
             <a:solidFill>
-              <a:srgbClr val="FFC000"/>
+              <a:schemeClr val="bg2">
+                <a:lumMod val="90000"/>
+              </a:schemeClr>
             </a:solidFill>
           </a:ln>
         </p:spPr>
@@ -5686,10 +4861,56 @@
       </p:sp>
       <p:sp>
         <p:nvSpPr>
-          <p:cNvPr id="60" name="TextBox 59">
+          <p:cNvPr id="9" name="Isosceles Triangle 8">
             <a:extLst>
               <a:ext uri="{FF2B5EF4-FFF2-40B4-BE49-F238E27FC236}">
-                <a16:creationId xmlns:a16="http://schemas.microsoft.com/office/drawing/2014/main" id="{4D3EA213-F377-416A-87C3-8A25C17B58D6}"/>
+                <a16:creationId xmlns:a16="http://schemas.microsoft.com/office/drawing/2014/main" id="{DEF4A91F-1215-4B27-89A3-B8A173DF73D7}"/>
+              </a:ext>
+            </a:extLst>
+          </p:cNvPr>
+          <p:cNvSpPr/>
+          <p:nvPr/>
+        </p:nvSpPr>
+        <p:spPr>
+          <a:xfrm rot="10800000">
+            <a:off x="2202691" y="2452939"/>
+            <a:ext cx="92616" cy="46141"/>
+          </a:xfrm>
+          <a:prstGeom prst="triangle">
+            <a:avLst/>
+          </a:prstGeom>
+        </p:spPr>
+        <p:style>
+          <a:lnRef idx="2">
+            <a:schemeClr val="accent1">
+              <a:shade val="50000"/>
+            </a:schemeClr>
+          </a:lnRef>
+          <a:fillRef idx="1">
+            <a:schemeClr val="accent1"/>
+          </a:fillRef>
+          <a:effectRef idx="0">
+            <a:schemeClr val="accent1"/>
+          </a:effectRef>
+          <a:fontRef idx="minor">
+            <a:schemeClr val="lt1"/>
+          </a:fontRef>
+        </p:style>
+        <p:txBody>
+          <a:bodyPr rtlCol="0" anchor="ctr"/>
+          <a:lstStyle/>
+          <a:p>
+            <a:pPr algn="ctr"/>
+            <a:endParaRPr lang="en-CA"/>
+          </a:p>
+        </p:txBody>
+      </p:sp>
+      <p:sp>
+        <p:nvSpPr>
+          <p:cNvPr id="23" name="TextBox 22">
+            <a:extLst>
+              <a:ext uri="{FF2B5EF4-FFF2-40B4-BE49-F238E27FC236}">
+                <a16:creationId xmlns:a16="http://schemas.microsoft.com/office/drawing/2014/main" id="{974CD4FF-AE29-4D68-992E-140219CFF0CD}"/>
               </a:ext>
             </a:extLst>
           </p:cNvPr>
@@ -5698,8 +4919,8 @@
         </p:nvSpPr>
         <p:spPr>
           <a:xfrm>
-            <a:off x="150335" y="3939257"/>
-            <a:ext cx="1375845" cy="784830"/>
+            <a:off x="1360487" y="2331714"/>
+            <a:ext cx="960120" cy="261610"/>
           </a:xfrm>
           <a:prstGeom prst="rect">
             <a:avLst/>
@@ -5713,21 +4934,21 @@
           <a:lstStyle/>
           <a:p>
             <a:r>
-              <a:rPr lang="en-CA" sz="900" dirty="0">
+              <a:rPr lang="en-CA" sz="1100" dirty="0">
                 <a:latin typeface="Arial" panose="020B0604020202020204" pitchFamily="34" charset="0"/>
                 <a:cs typeface="Arial" panose="020B0604020202020204" pitchFamily="34" charset="0"/>
               </a:rPr>
-              <a:t>Year slider bar that changes the choropleth map and weapons as % of GDP chart for the year on the slider bar</a:t>
-            </a:r>
-          </a:p>
-        </p:txBody>
-      </p:sp>
-      <p:sp>
-        <p:nvSpPr>
-          <p:cNvPr id="63" name="TextBox 62">
+              <a:t>USA</a:t>
+            </a:r>
+          </a:p>
+        </p:txBody>
+      </p:sp>
+      <p:sp>
+        <p:nvSpPr>
+          <p:cNvPr id="26" name="TextBox 25">
             <a:extLst>
               <a:ext uri="{FF2B5EF4-FFF2-40B4-BE49-F238E27FC236}">
-                <a16:creationId xmlns:a16="http://schemas.microsoft.com/office/drawing/2014/main" id="{0A14C6E0-92E0-4243-AF9D-5A60EA9AB7B8}"/>
+                <a16:creationId xmlns:a16="http://schemas.microsoft.com/office/drawing/2014/main" id="{DDD7CD7F-6043-40D4-98A4-273A1977206E}"/>
               </a:ext>
             </a:extLst>
           </p:cNvPr>
@@ -5736,8 +4957,8 @@
         </p:nvSpPr>
         <p:spPr>
           <a:xfrm>
-            <a:off x="13105" y="3087709"/>
-            <a:ext cx="1385849" cy="646331"/>
+            <a:off x="1804715" y="2676989"/>
+            <a:ext cx="1152813" cy="246221"/>
           </a:xfrm>
           <a:prstGeom prst="rect">
             <a:avLst/>
@@ -5751,21 +4972,21 @@
           <a:lstStyle/>
           <a:p>
             <a:r>
-              <a:rPr lang="en-CA" sz="900" dirty="0">
+              <a:rPr lang="en-CA" sz="1000" dirty="0">
                 <a:latin typeface="Arial" panose="020B0604020202020204" pitchFamily="34" charset="0"/>
                 <a:cs typeface="Arial" panose="020B0604020202020204" pitchFamily="34" charset="0"/>
               </a:rPr>
-              <a:t>Three buttons to change what is shown on the choropleth and weapons % GDP graph </a:t>
-            </a:r>
-          </a:p>
-        </p:txBody>
-      </p:sp>
-      <p:sp>
-        <p:nvSpPr>
-          <p:cNvPr id="64" name="TextBox 63">
+              <a:t>Include USA</a:t>
+            </a:r>
+          </a:p>
+        </p:txBody>
+      </p:sp>
+      <p:sp>
+        <p:nvSpPr>
+          <p:cNvPr id="61" name="TextBox 60">
             <a:extLst>
               <a:ext uri="{FF2B5EF4-FFF2-40B4-BE49-F238E27FC236}">
-                <a16:creationId xmlns:a16="http://schemas.microsoft.com/office/drawing/2014/main" id="{3A22799F-CECD-43E6-97D3-C9C0CE9925ED}"/>
+                <a16:creationId xmlns:a16="http://schemas.microsoft.com/office/drawing/2014/main" id="{44D7D9AF-4D93-4522-A25F-5E9A5B2633D2}"/>
               </a:ext>
             </a:extLst>
           </p:cNvPr>
@@ -5774,8 +4995,8 @@
         </p:nvSpPr>
         <p:spPr>
           <a:xfrm>
-            <a:off x="1622342" y="1717752"/>
-            <a:ext cx="1206966" cy="584775"/>
+            <a:off x="1820005" y="3074050"/>
+            <a:ext cx="1152813" cy="246221"/>
           </a:xfrm>
           <a:prstGeom prst="rect">
             <a:avLst/>
@@ -5789,21 +5010,21 @@
           <a:lstStyle/>
           <a:p>
             <a:r>
-              <a:rPr lang="en-CA" sz="800" dirty="0">
+              <a:rPr lang="en-CA" sz="1000" dirty="0">
                 <a:latin typeface="Arial" panose="020B0604020202020204" pitchFamily="34" charset="0"/>
                 <a:cs typeface="Arial" panose="020B0604020202020204" pitchFamily="34" charset="0"/>
               </a:rPr>
-              <a:t>Interactive choropleth that allows a country to be selected for the bottom two graphs </a:t>
-            </a:r>
-          </a:p>
-        </p:txBody>
-      </p:sp>
-      <p:sp>
-        <p:nvSpPr>
-          <p:cNvPr id="65" name="TextBox 64">
+              <a:t>% of GDP</a:t>
+            </a:r>
+          </a:p>
+        </p:txBody>
+      </p:sp>
+      <p:sp>
+        <p:nvSpPr>
+          <p:cNvPr id="62" name="TextBox 61">
             <a:extLst>
               <a:ext uri="{FF2B5EF4-FFF2-40B4-BE49-F238E27FC236}">
-                <a16:creationId xmlns:a16="http://schemas.microsoft.com/office/drawing/2014/main" id="{C401D68B-4192-4284-8BFE-E793F6FED88E}"/>
+                <a16:creationId xmlns:a16="http://schemas.microsoft.com/office/drawing/2014/main" id="{D491E53F-2D81-4C25-89F7-C513325A5E01}"/>
               </a:ext>
             </a:extLst>
           </p:cNvPr>
@@ -5812,8 +5033,8 @@
         </p:nvSpPr>
         <p:spPr>
           <a:xfrm>
-            <a:off x="1226414" y="7138778"/>
-            <a:ext cx="1485292" cy="369332"/>
+            <a:off x="1310132" y="969125"/>
+            <a:ext cx="1338586" cy="276999"/>
           </a:xfrm>
           <a:prstGeom prst="rect">
             <a:avLst/>
@@ -5827,21 +5048,35 @@
           <a:lstStyle/>
           <a:p>
             <a:r>
-              <a:rPr lang="en-CA" sz="900" dirty="0">
+              <a:rPr lang="en-CA" sz="1100" dirty="0">
                 <a:latin typeface="Arial" panose="020B0604020202020204" pitchFamily="34" charset="0"/>
                 <a:cs typeface="Arial" panose="020B0604020202020204" pitchFamily="34" charset="0"/>
               </a:rPr>
-              <a:t>Year highlighted based on slider bar</a:t>
-            </a:r>
-          </a:p>
-        </p:txBody>
-      </p:sp>
-      <p:sp>
-        <p:nvSpPr>
-          <p:cNvPr id="66" name="TextBox 65">
+              <a:t>Choose </a:t>
+            </a:r>
+            <a:r>
+              <a:rPr lang="en-CA" sz="1200" dirty="0">
+                <a:latin typeface="Arial" panose="020B0604020202020204" pitchFamily="34" charset="0"/>
+                <a:cs typeface="Arial" panose="020B0604020202020204" pitchFamily="34" charset="0"/>
+              </a:rPr>
+              <a:t>Statistic</a:t>
+            </a:r>
+            <a:r>
+              <a:rPr lang="en-CA" sz="1100" dirty="0">
+                <a:latin typeface="Arial" panose="020B0604020202020204" pitchFamily="34" charset="0"/>
+                <a:cs typeface="Arial" panose="020B0604020202020204" pitchFamily="34" charset="0"/>
+              </a:rPr>
+              <a:t>:</a:t>
+            </a:r>
+          </a:p>
+        </p:txBody>
+      </p:sp>
+      <p:sp>
+        <p:nvSpPr>
+          <p:cNvPr id="68" name="TextBox 67">
             <a:extLst>
               <a:ext uri="{FF2B5EF4-FFF2-40B4-BE49-F238E27FC236}">
-                <a16:creationId xmlns:a16="http://schemas.microsoft.com/office/drawing/2014/main" id="{709D77BA-2F89-46BA-8D69-2F71C80E093D}"/>
+                <a16:creationId xmlns:a16="http://schemas.microsoft.com/office/drawing/2014/main" id="{C0FBDA8A-9F57-4FF0-BE76-F66A4A824A6F}"/>
               </a:ext>
             </a:extLst>
           </p:cNvPr>
@@ -5850,8 +5085,8 @@
         </p:nvSpPr>
         <p:spPr>
           <a:xfrm>
-            <a:off x="108787" y="6173515"/>
-            <a:ext cx="1485292" cy="369332"/>
+            <a:off x="1274790" y="2069842"/>
+            <a:ext cx="1299367" cy="261610"/>
           </a:xfrm>
           <a:prstGeom prst="rect">
             <a:avLst/>
@@ -5865,21 +5100,21 @@
           <a:lstStyle/>
           <a:p>
             <a:r>
-              <a:rPr lang="en-CA" sz="900" dirty="0">
+              <a:rPr lang="en-CA" sz="1100" dirty="0">
                 <a:latin typeface="Arial" panose="020B0604020202020204" pitchFamily="34" charset="0"/>
                 <a:cs typeface="Arial" panose="020B0604020202020204" pitchFamily="34" charset="0"/>
               </a:rPr>
-              <a:t>Country changes based on selection in choropleth </a:t>
-            </a:r>
-          </a:p>
-        </p:txBody>
-      </p:sp>
-      <p:sp>
-        <p:nvSpPr>
-          <p:cNvPr id="67" name="TextBox 66">
+              <a:t>Choose Country:</a:t>
+            </a:r>
+          </a:p>
+        </p:txBody>
+      </p:sp>
+      <p:sp>
+        <p:nvSpPr>
+          <p:cNvPr id="69" name="TextBox 68">
             <a:extLst>
               <a:ext uri="{FF2B5EF4-FFF2-40B4-BE49-F238E27FC236}">
-                <a16:creationId xmlns:a16="http://schemas.microsoft.com/office/drawing/2014/main" id="{C9EB0EDF-770F-4605-BFFE-56C5C0C67BFF}"/>
+                <a16:creationId xmlns:a16="http://schemas.microsoft.com/office/drawing/2014/main" id="{EBC24CCC-3E3E-4827-ABBA-D724FD10665A}"/>
               </a:ext>
             </a:extLst>
           </p:cNvPr>
@@ -5888,8 +5123,8 @@
         </p:nvSpPr>
         <p:spPr>
           <a:xfrm>
-            <a:off x="4603498" y="7998871"/>
-            <a:ext cx="1485292" cy="369332"/>
+            <a:off x="1848380" y="1637621"/>
+            <a:ext cx="1124438" cy="276999"/>
           </a:xfrm>
           <a:prstGeom prst="rect">
             <a:avLst/>
@@ -5903,11 +5138,371 @@
           <a:lstStyle/>
           <a:p>
             <a:r>
+              <a:rPr lang="en-CA" sz="1200" dirty="0">
+                <a:latin typeface="Arial" panose="020B0604020202020204" pitchFamily="34" charset="0"/>
+                <a:cs typeface="Arial" panose="020B0604020202020204" pitchFamily="34" charset="0"/>
+              </a:rPr>
+              <a:t>Export</a:t>
+            </a:r>
+          </a:p>
+        </p:txBody>
+      </p:sp>
+      <p:sp>
+        <p:nvSpPr>
+          <p:cNvPr id="29" name="Oval 28">
+            <a:extLst>
+              <a:ext uri="{FF2B5EF4-FFF2-40B4-BE49-F238E27FC236}">
+                <a16:creationId xmlns:a16="http://schemas.microsoft.com/office/drawing/2014/main" id="{1252B6E5-C6B2-443A-A1FC-F792C2F3E14F}"/>
+              </a:ext>
+            </a:extLst>
+          </p:cNvPr>
+          <p:cNvSpPr/>
+          <p:nvPr/>
+        </p:nvSpPr>
+        <p:spPr>
+          <a:xfrm>
+            <a:off x="1559643" y="1404587"/>
+            <a:ext cx="174668" cy="174668"/>
+          </a:xfrm>
+          <a:prstGeom prst="ellipse">
+            <a:avLst/>
+          </a:prstGeom>
+          <a:solidFill>
+            <a:schemeClr val="bg2"/>
+          </a:solidFill>
+          <a:ln>
+            <a:solidFill>
+              <a:schemeClr val="bg2">
+                <a:lumMod val="90000"/>
+              </a:schemeClr>
+            </a:solidFill>
+          </a:ln>
+        </p:spPr>
+        <p:style>
+          <a:lnRef idx="2">
+            <a:schemeClr val="accent1">
+              <a:shade val="50000"/>
+            </a:schemeClr>
+          </a:lnRef>
+          <a:fillRef idx="1">
+            <a:schemeClr val="accent1"/>
+          </a:fillRef>
+          <a:effectRef idx="0">
+            <a:schemeClr val="accent1"/>
+          </a:effectRef>
+          <a:fontRef idx="minor">
+            <a:schemeClr val="lt1"/>
+          </a:fontRef>
+        </p:style>
+        <p:txBody>
+          <a:bodyPr rtlCol="0" anchor="ctr"/>
+          <a:lstStyle/>
+          <a:p>
+            <a:pPr algn="ctr"/>
+            <a:endParaRPr lang="en-CA"/>
+          </a:p>
+        </p:txBody>
+      </p:sp>
+      <p:sp>
+        <p:nvSpPr>
+          <p:cNvPr id="71" name="Oval 70">
+            <a:extLst>
+              <a:ext uri="{FF2B5EF4-FFF2-40B4-BE49-F238E27FC236}">
+                <a16:creationId xmlns:a16="http://schemas.microsoft.com/office/drawing/2014/main" id="{199BD22C-2B29-4D3C-AB5E-9BFC06BDE2A5}"/>
+              </a:ext>
+            </a:extLst>
+          </p:cNvPr>
+          <p:cNvSpPr/>
+          <p:nvPr/>
+        </p:nvSpPr>
+        <p:spPr>
+          <a:xfrm>
+            <a:off x="1565755" y="1730229"/>
+            <a:ext cx="174668" cy="174668"/>
+          </a:xfrm>
+          <a:prstGeom prst="ellipse">
+            <a:avLst/>
+          </a:prstGeom>
+          <a:solidFill>
+            <a:schemeClr val="bg2"/>
+          </a:solidFill>
+          <a:ln>
+            <a:solidFill>
+              <a:schemeClr val="bg2">
+                <a:lumMod val="90000"/>
+              </a:schemeClr>
+            </a:solidFill>
+          </a:ln>
+        </p:spPr>
+        <p:style>
+          <a:lnRef idx="2">
+            <a:schemeClr val="accent1">
+              <a:shade val="50000"/>
+            </a:schemeClr>
+          </a:lnRef>
+          <a:fillRef idx="1">
+            <a:schemeClr val="accent1"/>
+          </a:fillRef>
+          <a:effectRef idx="0">
+            <a:schemeClr val="accent1"/>
+          </a:effectRef>
+          <a:fontRef idx="minor">
+            <a:schemeClr val="lt1"/>
+          </a:fontRef>
+        </p:style>
+        <p:txBody>
+          <a:bodyPr rtlCol="0" anchor="ctr"/>
+          <a:lstStyle/>
+          <a:p>
+            <a:pPr algn="ctr"/>
+            <a:endParaRPr lang="en-CA"/>
+          </a:p>
+        </p:txBody>
+      </p:sp>
+      <p:sp>
+        <p:nvSpPr>
+          <p:cNvPr id="72" name="Oval 71">
+            <a:extLst>
+              <a:ext uri="{FF2B5EF4-FFF2-40B4-BE49-F238E27FC236}">
+                <a16:creationId xmlns:a16="http://schemas.microsoft.com/office/drawing/2014/main" id="{5959E975-E741-42F2-B429-FC367FA559AC}"/>
+              </a:ext>
+            </a:extLst>
+          </p:cNvPr>
+          <p:cNvSpPr/>
+          <p:nvPr/>
+        </p:nvSpPr>
+        <p:spPr>
+          <a:xfrm>
+            <a:off x="1591378" y="1440101"/>
+            <a:ext cx="111198" cy="111198"/>
+          </a:xfrm>
+          <a:prstGeom prst="ellipse">
+            <a:avLst/>
+          </a:prstGeom>
+          <a:solidFill>
+            <a:schemeClr val="tx2"/>
+          </a:solidFill>
+          <a:ln>
+            <a:solidFill>
+              <a:schemeClr val="tx2">
+                <a:lumMod val="75000"/>
+              </a:schemeClr>
+            </a:solidFill>
+          </a:ln>
+        </p:spPr>
+        <p:style>
+          <a:lnRef idx="2">
+            <a:schemeClr val="accent1">
+              <a:shade val="50000"/>
+            </a:schemeClr>
+          </a:lnRef>
+          <a:fillRef idx="1">
+            <a:schemeClr val="accent1"/>
+          </a:fillRef>
+          <a:effectRef idx="0">
+            <a:schemeClr val="accent1"/>
+          </a:effectRef>
+          <a:fontRef idx="minor">
+            <a:schemeClr val="lt1"/>
+          </a:fontRef>
+        </p:style>
+        <p:txBody>
+          <a:bodyPr rtlCol="0" anchor="ctr"/>
+          <a:lstStyle/>
+          <a:p>
+            <a:pPr algn="ctr"/>
+            <a:endParaRPr lang="en-CA"/>
+          </a:p>
+        </p:txBody>
+      </p:sp>
+      <p:sp>
+        <p:nvSpPr>
+          <p:cNvPr id="73" name="Speech Bubble: Rectangle with Corners Rounded 72">
+            <a:extLst>
+              <a:ext uri="{FF2B5EF4-FFF2-40B4-BE49-F238E27FC236}">
+                <a16:creationId xmlns:a16="http://schemas.microsoft.com/office/drawing/2014/main" id="{A950CA4F-EF8C-4810-8EB7-BB7BC0C51262}"/>
+              </a:ext>
+            </a:extLst>
+          </p:cNvPr>
+          <p:cNvSpPr/>
+          <p:nvPr/>
+        </p:nvSpPr>
+        <p:spPr>
+          <a:xfrm rot="16200000">
+            <a:off x="297981" y="1592895"/>
+            <a:ext cx="592341" cy="1156151"/>
+          </a:xfrm>
+          <a:prstGeom prst="wedgeRoundRectCallout">
+            <a:avLst>
+              <a:gd name="adj1" fmla="val -25436"/>
+              <a:gd name="adj2" fmla="val 62003"/>
+              <a:gd name="adj3" fmla="val 16667"/>
+            </a:avLst>
+          </a:prstGeom>
+          <a:solidFill>
+            <a:schemeClr val="bg2"/>
+          </a:solidFill>
+          <a:ln>
+            <a:solidFill>
+              <a:srgbClr val="FFC000"/>
+            </a:solidFill>
+          </a:ln>
+        </p:spPr>
+        <p:style>
+          <a:lnRef idx="2">
+            <a:schemeClr val="accent1">
+              <a:shade val="50000"/>
+            </a:schemeClr>
+          </a:lnRef>
+          <a:fillRef idx="1">
+            <a:schemeClr val="accent1"/>
+          </a:fillRef>
+          <a:effectRef idx="0">
+            <a:schemeClr val="accent1"/>
+          </a:effectRef>
+          <a:fontRef idx="minor">
+            <a:schemeClr val="lt1"/>
+          </a:fontRef>
+        </p:style>
+        <p:txBody>
+          <a:bodyPr rtlCol="0" anchor="ctr"/>
+          <a:lstStyle/>
+          <a:p>
+            <a:pPr algn="ctr"/>
+            <a:endParaRPr lang="en-CA"/>
+          </a:p>
+        </p:txBody>
+      </p:sp>
+      <p:sp>
+        <p:nvSpPr>
+          <p:cNvPr id="75" name="Speech Bubble: Rectangle with Corners Rounded 74">
+            <a:extLst>
+              <a:ext uri="{FF2B5EF4-FFF2-40B4-BE49-F238E27FC236}">
+                <a16:creationId xmlns:a16="http://schemas.microsoft.com/office/drawing/2014/main" id="{76FDF37B-BA5D-489D-A90D-0C744D57CF8F}"/>
+              </a:ext>
+            </a:extLst>
+          </p:cNvPr>
+          <p:cNvSpPr/>
+          <p:nvPr/>
+        </p:nvSpPr>
+        <p:spPr>
+          <a:xfrm rot="16200000">
+            <a:off x="196620" y="2573632"/>
+            <a:ext cx="879583" cy="1086290"/>
+          </a:xfrm>
+          <a:prstGeom prst="wedgeRoundRectCallout">
+            <a:avLst>
+              <a:gd name="adj1" fmla="val 14231"/>
+              <a:gd name="adj2" fmla="val 73610"/>
+              <a:gd name="adj3" fmla="val 16667"/>
+            </a:avLst>
+          </a:prstGeom>
+          <a:solidFill>
+            <a:schemeClr val="bg2"/>
+          </a:solidFill>
+          <a:ln>
+            <a:solidFill>
+              <a:srgbClr val="FFC000"/>
+            </a:solidFill>
+          </a:ln>
+        </p:spPr>
+        <p:style>
+          <a:lnRef idx="2">
+            <a:schemeClr val="accent1">
+              <a:shade val="50000"/>
+            </a:schemeClr>
+          </a:lnRef>
+          <a:fillRef idx="1">
+            <a:schemeClr val="accent1"/>
+          </a:fillRef>
+          <a:effectRef idx="0">
+            <a:schemeClr val="accent1"/>
+          </a:effectRef>
+          <a:fontRef idx="minor">
+            <a:schemeClr val="lt1"/>
+          </a:fontRef>
+        </p:style>
+        <p:txBody>
+          <a:bodyPr rtlCol="0" anchor="ctr"/>
+          <a:lstStyle/>
+          <a:p>
+            <a:pPr algn="ctr"/>
+            <a:endParaRPr lang="en-CA" dirty="0"/>
+          </a:p>
+        </p:txBody>
+      </p:sp>
+      <p:sp>
+        <p:nvSpPr>
+          <p:cNvPr id="76" name="TextBox 75">
+            <a:extLst>
+              <a:ext uri="{FF2B5EF4-FFF2-40B4-BE49-F238E27FC236}">
+                <a16:creationId xmlns:a16="http://schemas.microsoft.com/office/drawing/2014/main" id="{94EED304-CFAF-48BE-84AE-B7CD7551CC0B}"/>
+              </a:ext>
+            </a:extLst>
+          </p:cNvPr>
+          <p:cNvSpPr txBox="1"/>
+          <p:nvPr/>
+        </p:nvSpPr>
+        <p:spPr>
+          <a:xfrm>
+            <a:off x="-9654" y="1908013"/>
+            <a:ext cx="1223228" cy="507831"/>
+          </a:xfrm>
+          <a:prstGeom prst="rect">
+            <a:avLst/>
+          </a:prstGeom>
+          <a:noFill/>
+        </p:spPr>
+        <p:txBody>
+          <a:bodyPr wrap="square" rtlCol="0">
+            <a:spAutoFit/>
+          </a:bodyPr>
+          <a:lstStyle/>
+          <a:p>
+            <a:r>
               <a:rPr lang="en-CA" sz="900" dirty="0">
                 <a:latin typeface="Arial" panose="020B0604020202020204" pitchFamily="34" charset="0"/>
                 <a:cs typeface="Arial" panose="020B0604020202020204" pitchFamily="34" charset="0"/>
               </a:rPr>
-              <a:t>Year highlighted based on slider bar</a:t>
+              <a:t>Change the country visible on lowermost visualization.</a:t>
+            </a:r>
+          </a:p>
+        </p:txBody>
+      </p:sp>
+      <p:sp>
+        <p:nvSpPr>
+          <p:cNvPr id="74" name="TextBox 73">
+            <a:extLst>
+              <a:ext uri="{FF2B5EF4-FFF2-40B4-BE49-F238E27FC236}">
+                <a16:creationId xmlns:a16="http://schemas.microsoft.com/office/drawing/2014/main" id="{C69C5D37-F547-4675-B68C-DB1D7E8A94D5}"/>
+              </a:ext>
+            </a:extLst>
+          </p:cNvPr>
+          <p:cNvSpPr txBox="1"/>
+          <p:nvPr/>
+        </p:nvSpPr>
+        <p:spPr>
+          <a:xfrm>
+            <a:off x="93266" y="2647708"/>
+            <a:ext cx="1202113" cy="923330"/>
+          </a:xfrm>
+          <a:prstGeom prst="rect">
+            <a:avLst/>
+          </a:prstGeom>
+          <a:noFill/>
+        </p:spPr>
+        <p:txBody>
+          <a:bodyPr wrap="square" rtlCol="0">
+            <a:spAutoFit/>
+          </a:bodyPr>
+          <a:lstStyle/>
+          <a:p>
+            <a:r>
+              <a:rPr lang="en-CA" sz="900" dirty="0">
+                <a:latin typeface="Arial" panose="020B0604020202020204" pitchFamily="34" charset="0"/>
+                <a:cs typeface="Arial" panose="020B0604020202020204" pitchFamily="34" charset="0"/>
+              </a:rPr>
+              <a:t>Toggles to change the choropleth to remove or include USA outlier, and change whether % of GDP is shown </a:t>
             </a:r>
           </a:p>
         </p:txBody>
